--- a/materials/S02/Slides-S02.pptx
+++ b/materials/S02/Slides-S02.pptx
@@ -16,20 +16,22 @@
     <p:sldId id="294" r:id="rId9"/>
     <p:sldId id="293" r:id="rId10"/>
     <p:sldId id="296" r:id="rId11"/>
-    <p:sldId id="297" r:id="rId12"/>
-    <p:sldId id="307" r:id="rId13"/>
-    <p:sldId id="308" r:id="rId14"/>
-    <p:sldId id="309" r:id="rId15"/>
-    <p:sldId id="310" r:id="rId16"/>
-    <p:sldId id="311" r:id="rId17"/>
-    <p:sldId id="312" r:id="rId18"/>
-    <p:sldId id="322" r:id="rId19"/>
-    <p:sldId id="332" r:id="rId20"/>
-    <p:sldId id="267" r:id="rId21"/>
-    <p:sldId id="333" r:id="rId22"/>
-    <p:sldId id="335" r:id="rId23"/>
-    <p:sldId id="336" r:id="rId24"/>
-    <p:sldId id="338" r:id="rId25"/>
+    <p:sldId id="339" r:id="rId12"/>
+    <p:sldId id="297" r:id="rId13"/>
+    <p:sldId id="307" r:id="rId14"/>
+    <p:sldId id="308" r:id="rId15"/>
+    <p:sldId id="309" r:id="rId16"/>
+    <p:sldId id="310" r:id="rId17"/>
+    <p:sldId id="311" r:id="rId18"/>
+    <p:sldId id="340" r:id="rId19"/>
+    <p:sldId id="312" r:id="rId20"/>
+    <p:sldId id="322" r:id="rId21"/>
+    <p:sldId id="332" r:id="rId22"/>
+    <p:sldId id="267" r:id="rId23"/>
+    <p:sldId id="333" r:id="rId24"/>
+    <p:sldId id="335" r:id="rId25"/>
+    <p:sldId id="336" r:id="rId26"/>
+    <p:sldId id="338" r:id="rId27"/>
   </p:sldIdLst>
   <p:sldSz cx="12192000" cy="6858000"/>
   <p:notesSz cx="6858000" cy="9144000"/>
@@ -4197,6 +4199,409 @@
         </p:nvSpPr>
         <p:spPr>
           <a:xfrm>
+            <a:off x="1066800" y="2041843"/>
+            <a:ext cx="10058400" cy="3107690"/>
+          </a:xfrm>
+          <a:prstGeom prst="rect">
+            <a:avLst/>
+          </a:prstGeom>
+          <a:noFill/>
+        </p:spPr>
+        <p:txBody>
+          <a:bodyPr wrap="square" rtlCol="0" anchor="ctr" anchorCtr="0">
+            <a:spAutoFit/>
+          </a:bodyPr>
+          <a:p>
+            <a:pPr marL="342900" indent="-342900" algn="l">
+              <a:buFont typeface="Arial" panose="020B0604020202020204" pitchFamily="34" charset="0"/>
+              <a:buChar char="•"/>
+            </a:pPr>
+            <a:r>
+              <a:rPr lang="en-US" sz="2800">
+                <a:effectLst/>
+                <a:latin typeface="Georgia" panose="02040502050405020303" charset="0"/>
+                <a:cs typeface="Georgia" panose="02040502050405020303" charset="0"/>
+                <a:sym typeface="+mn-ea"/>
+              </a:rPr>
+              <a:t>“I saw some of your children today” &gt; I didn't see all of your children today</a:t>
+            </a:r>
+            <a:endParaRPr lang="en-US" sz="2800">
+              <a:effectLst/>
+              <a:latin typeface="Georgia" panose="02040502050405020303" charset="0"/>
+              <a:cs typeface="Georgia" panose="02040502050405020303" charset="0"/>
+              <a:sym typeface="+mn-ea"/>
+            </a:endParaRPr>
+          </a:p>
+          <a:p>
+            <a:pPr marL="342900" indent="-342900" algn="l">
+              <a:buFont typeface="Arial" panose="020B0604020202020204" pitchFamily="34" charset="0"/>
+              <a:buChar char="•"/>
+            </a:pPr>
+            <a:endParaRPr lang="en-US" sz="2800">
+              <a:effectLst/>
+              <a:latin typeface="Georgia" panose="02040502050405020303" charset="0"/>
+              <a:cs typeface="Georgia" panose="02040502050405020303" charset="0"/>
+              <a:sym typeface="+mn-ea"/>
+            </a:endParaRPr>
+          </a:p>
+          <a:p>
+            <a:pPr marL="342900" lvl="0" indent="-342900" algn="l">
+              <a:buFont typeface="Arial" panose="020B0604020202020204" pitchFamily="34" charset="0"/>
+              <a:buChar char="•"/>
+            </a:pPr>
+            <a:r>
+              <a:rPr lang="en-US" sz="2800">
+                <a:effectLst/>
+                <a:latin typeface="Georgia" panose="02040502050405020303" charset="0"/>
+                <a:cs typeface="Georgia" panose="02040502050405020303" charset="0"/>
+                <a:sym typeface="+mn-ea"/>
+              </a:rPr>
+              <a:t>Generalized conversational implicature</a:t>
+            </a:r>
+            <a:endParaRPr lang="en-US" sz="2800">
+              <a:effectLst/>
+              <a:latin typeface="Georgia" panose="02040502050405020303" charset="0"/>
+              <a:cs typeface="Georgia" panose="02040502050405020303" charset="0"/>
+              <a:sym typeface="+mn-ea"/>
+            </a:endParaRPr>
+          </a:p>
+          <a:p>
+            <a:pPr marL="342900" lvl="0" indent="-342900" algn="l">
+              <a:buFont typeface="Arial" panose="020B0604020202020204" pitchFamily="34" charset="0"/>
+              <a:buChar char="•"/>
+            </a:pPr>
+            <a:endParaRPr lang="en-US" sz="2800">
+              <a:effectLst/>
+              <a:latin typeface="Georgia" panose="02040502050405020303" charset="0"/>
+              <a:cs typeface="Georgia" panose="02040502050405020303" charset="0"/>
+              <a:sym typeface="+mn-ea"/>
+            </a:endParaRPr>
+          </a:p>
+          <a:p>
+            <a:pPr marL="342900" lvl="0" indent="-342900" algn="l">
+              <a:buFont typeface="Arial" panose="020B0604020202020204" pitchFamily="34" charset="0"/>
+              <a:buChar char="•"/>
+            </a:pPr>
+            <a:r>
+              <a:rPr lang="en-US" sz="2800">
+                <a:effectLst/>
+                <a:latin typeface="Georgia" panose="02040502050405020303" charset="0"/>
+                <a:cs typeface="Georgia" panose="02040502050405020303" charset="0"/>
+                <a:sym typeface="+mn-ea"/>
+              </a:rPr>
+              <a:t>Pragmatic inferences linked to common propositions</a:t>
+            </a:r>
+            <a:endParaRPr lang="en-US" sz="2800">
+              <a:effectLst/>
+              <a:latin typeface="Georgia" panose="02040502050405020303" charset="0"/>
+              <a:cs typeface="Georgia" panose="02040502050405020303" charset="0"/>
+              <a:sym typeface="+mn-ea"/>
+            </a:endParaRPr>
+          </a:p>
+          <a:p>
+            <a:pPr lvl="1" indent="0" algn="l">
+              <a:buNone/>
+            </a:pPr>
+            <a:r>
+              <a:rPr lang="en-US" sz="2800">
+                <a:effectLst/>
+                <a:latin typeface="Georgia" panose="02040502050405020303" charset="0"/>
+                <a:cs typeface="Georgia" panose="02040502050405020303" charset="0"/>
+                <a:sym typeface="+mn-ea"/>
+              </a:rPr>
+              <a:t>Pragmatically but not logically valid</a:t>
+            </a:r>
+            <a:endParaRPr lang="en-US" sz="2800">
+              <a:effectLst/>
+              <a:latin typeface="Georgia" panose="02040502050405020303" charset="0"/>
+              <a:cs typeface="Georgia" panose="02040502050405020303" charset="0"/>
+              <a:sym typeface="+mn-ea"/>
+            </a:endParaRPr>
+          </a:p>
+        </p:txBody>
+      </p:sp>
+    </p:spTree>
+  </p:cSld>
+  <p:clrMapOvr>
+    <a:masterClrMapping/>
+  </p:clrMapOvr>
+  <p:timing>
+    <p:tnLst>
+      <p:par>
+        <p:cTn id="1" dur="indefinite" restart="never" nodeType="tmRoot">
+          <p:childTnLst>
+            <p:seq concurrent="1" nextAc="seek">
+              <p:cTn id="2" dur="indefinite" nodeType="mainSeq">
+                <p:childTnLst>
+                  <p:par>
+                    <p:cTn id="3" fill="hold">
+                      <p:stCondLst>
+                        <p:cond delay="indefinite"/>
+                      </p:stCondLst>
+                      <p:childTnLst>
+                        <p:par>
+                          <p:cTn id="4" fill="hold">
+                            <p:stCondLst>
+                              <p:cond delay="0"/>
+                            </p:stCondLst>
+                            <p:childTnLst>
+                              <p:par>
+                                <p:cTn id="5" presetID="1" presetClass="entr" presetSubtype="0" fill="hold" nodeType="clickEffect">
+                                  <p:stCondLst>
+                                    <p:cond delay="0"/>
+                                  </p:stCondLst>
+                                  <p:childTnLst>
+                                    <p:set>
+                                      <p:cBhvr>
+                                        <p:cTn id="6" dur="1" fill="hold">
+                                          <p:stCondLst>
+                                            <p:cond delay="0"/>
+                                          </p:stCondLst>
+                                        </p:cTn>
+                                        <p:tgtEl>
+                                          <p:spTgt spid="9">
+                                            <p:txEl>
+                                              <p:pRg st="0" end="0"/>
+                                            </p:txEl>
+                                          </p:spTgt>
+                                        </p:tgtEl>
+                                        <p:attrNameLst>
+                                          <p:attrName>style.visibility</p:attrName>
+                                        </p:attrNameLst>
+                                      </p:cBhvr>
+                                      <p:to>
+                                        <p:strVal val="visible"/>
+                                      </p:to>
+                                    </p:set>
+                                  </p:childTnLst>
+                                </p:cTn>
+                              </p:par>
+                            </p:childTnLst>
+                          </p:cTn>
+                        </p:par>
+                      </p:childTnLst>
+                    </p:cTn>
+                  </p:par>
+                  <p:par>
+                    <p:cTn id="7" fill="hold">
+                      <p:stCondLst>
+                        <p:cond delay="indefinite"/>
+                      </p:stCondLst>
+                      <p:childTnLst>
+                        <p:par>
+                          <p:cTn id="8" fill="hold">
+                            <p:stCondLst>
+                              <p:cond delay="0"/>
+                            </p:stCondLst>
+                            <p:childTnLst>
+                              <p:par>
+                                <p:cTn id="9" presetID="1" presetClass="entr" presetSubtype="0" fill="hold" nodeType="clickEffect">
+                                  <p:stCondLst>
+                                    <p:cond delay="0"/>
+                                  </p:stCondLst>
+                                  <p:childTnLst>
+                                    <p:set>
+                                      <p:cBhvr>
+                                        <p:cTn id="10" dur="1" fill="hold">
+                                          <p:stCondLst>
+                                            <p:cond delay="0"/>
+                                          </p:stCondLst>
+                                        </p:cTn>
+                                        <p:tgtEl>
+                                          <p:spTgt spid="9">
+                                            <p:txEl>
+                                              <p:pRg st="2" end="2"/>
+                                            </p:txEl>
+                                          </p:spTgt>
+                                        </p:tgtEl>
+                                        <p:attrNameLst>
+                                          <p:attrName>style.visibility</p:attrName>
+                                        </p:attrNameLst>
+                                      </p:cBhvr>
+                                      <p:to>
+                                        <p:strVal val="visible"/>
+                                      </p:to>
+                                    </p:set>
+                                  </p:childTnLst>
+                                </p:cTn>
+                              </p:par>
+                            </p:childTnLst>
+                          </p:cTn>
+                        </p:par>
+                      </p:childTnLst>
+                    </p:cTn>
+                  </p:par>
+                  <p:par>
+                    <p:cTn id="11" fill="hold">
+                      <p:stCondLst>
+                        <p:cond delay="indefinite"/>
+                      </p:stCondLst>
+                      <p:childTnLst>
+                        <p:par>
+                          <p:cTn id="12" fill="hold">
+                            <p:stCondLst>
+                              <p:cond delay="0"/>
+                            </p:stCondLst>
+                            <p:childTnLst>
+                              <p:par>
+                                <p:cTn id="13" presetID="1" presetClass="entr" presetSubtype="0" fill="hold" nodeType="clickEffect">
+                                  <p:stCondLst>
+                                    <p:cond delay="0"/>
+                                  </p:stCondLst>
+                                  <p:childTnLst>
+                                    <p:set>
+                                      <p:cBhvr>
+                                        <p:cTn id="14" dur="1" fill="hold">
+                                          <p:stCondLst>
+                                            <p:cond delay="0"/>
+                                          </p:stCondLst>
+                                        </p:cTn>
+                                        <p:tgtEl>
+                                          <p:spTgt spid="9">
+                                            <p:txEl>
+                                              <p:pRg st="4" end="4"/>
+                                            </p:txEl>
+                                          </p:spTgt>
+                                        </p:tgtEl>
+                                        <p:attrNameLst>
+                                          <p:attrName>style.visibility</p:attrName>
+                                        </p:attrNameLst>
+                                      </p:cBhvr>
+                                      <p:to>
+                                        <p:strVal val="visible"/>
+                                      </p:to>
+                                    </p:set>
+                                  </p:childTnLst>
+                                </p:cTn>
+                              </p:par>
+                            </p:childTnLst>
+                          </p:cTn>
+                        </p:par>
+                      </p:childTnLst>
+                    </p:cTn>
+                  </p:par>
+                  <p:par>
+                    <p:cTn id="15" fill="hold">
+                      <p:stCondLst>
+                        <p:cond delay="indefinite"/>
+                      </p:stCondLst>
+                      <p:childTnLst>
+                        <p:par>
+                          <p:cTn id="16" fill="hold">
+                            <p:stCondLst>
+                              <p:cond delay="0"/>
+                            </p:stCondLst>
+                            <p:childTnLst>
+                              <p:par>
+                                <p:cTn id="17" presetID="1" presetClass="entr" presetSubtype="0" fill="hold" nodeType="clickEffect">
+                                  <p:stCondLst>
+                                    <p:cond delay="0"/>
+                                  </p:stCondLst>
+                                  <p:childTnLst>
+                                    <p:set>
+                                      <p:cBhvr>
+                                        <p:cTn id="18" dur="1" fill="hold">
+                                          <p:stCondLst>
+                                            <p:cond delay="0"/>
+                                          </p:stCondLst>
+                                        </p:cTn>
+                                        <p:tgtEl>
+                                          <p:spTgt spid="9">
+                                            <p:txEl>
+                                              <p:pRg st="5" end="5"/>
+                                            </p:txEl>
+                                          </p:spTgt>
+                                        </p:tgtEl>
+                                        <p:attrNameLst>
+                                          <p:attrName>style.visibility</p:attrName>
+                                        </p:attrNameLst>
+                                      </p:cBhvr>
+                                      <p:to>
+                                        <p:strVal val="visible"/>
+                                      </p:to>
+                                    </p:set>
+                                  </p:childTnLst>
+                                </p:cTn>
+                              </p:par>
+                            </p:childTnLst>
+                          </p:cTn>
+                        </p:par>
+                      </p:childTnLst>
+                    </p:cTn>
+                  </p:par>
+                </p:childTnLst>
+              </p:cTn>
+              <p:prevCondLst>
+                <p:cond evt="onPrev" delay="0">
+                  <p:tgtEl>
+                    <p:sldTgt/>
+                  </p:tgtEl>
+                </p:cond>
+              </p:prevCondLst>
+              <p:nextCondLst>
+                <p:cond evt="onNext" delay="0">
+                  <p:tgtEl>
+                    <p:sldTgt/>
+                  </p:tgtEl>
+                </p:cond>
+              </p:nextCondLst>
+            </p:seq>
+          </p:childTnLst>
+        </p:cTn>
+      </p:par>
+    </p:tnLst>
+  </p:timing>
+</p:sld>
+</file>
+
+<file path=ppt/slides/slide11.xml><?xml version="1.0" encoding="utf-8"?>
+<p:sld xmlns:a="http://schemas.openxmlformats.org/drawingml/2006/main" xmlns:r="http://schemas.openxmlformats.org/officeDocument/2006/relationships" xmlns:p="http://schemas.openxmlformats.org/presentationml/2006/main">
+  <p:cSld>
+    <p:spTree>
+      <p:nvGrpSpPr>
+        <p:cNvPr id="1" name=""/>
+        <p:cNvGrpSpPr/>
+        <p:nvPr/>
+      </p:nvGrpSpPr>
+      <p:grpSpPr/>
+      <p:sp>
+        <p:nvSpPr>
+          <p:cNvPr id="2" name="Title 1"/>
+          <p:cNvSpPr>
+            <a:spLocks noGrp="1"/>
+          </p:cNvSpPr>
+          <p:nvPr>
+            <p:ph type="title"/>
+          </p:nvPr>
+        </p:nvSpPr>
+        <p:spPr/>
+        <p:txBody>
+          <a:bodyPr>
+            <a:normAutofit/>
+          </a:bodyPr>
+          <a:p>
+            <a:r>
+              <a:rPr lang="en-US">
+                <a:latin typeface="Georgia" panose="02040502050405020303" charset="0"/>
+                <a:cs typeface="Georgia" panose="02040502050405020303" charset="0"/>
+              </a:rPr>
+              <a:t>Scalar implicatures</a:t>
+            </a:r>
+            <a:endParaRPr lang="en-US">
+              <a:latin typeface="Georgia" panose="02040502050405020303" charset="0"/>
+              <a:cs typeface="Georgia" panose="02040502050405020303" charset="0"/>
+            </a:endParaRPr>
+          </a:p>
+        </p:txBody>
+      </p:sp>
+      <p:sp>
+        <p:nvSpPr>
+          <p:cNvPr id="9" name="Text Box 8"/>
+          <p:cNvSpPr txBox="1"/>
+          <p:nvPr/>
+        </p:nvSpPr>
+        <p:spPr>
+          <a:xfrm>
             <a:off x="1066800" y="2090420"/>
             <a:ext cx="10058400" cy="2676525"/>
           </a:xfrm>
@@ -4539,7 +4944,7 @@
 </p:sld>
 </file>
 
-<file path=ppt/slides/slide11.xml><?xml version="1.0" encoding="utf-8"?>
+<file path=ppt/slides/slide12.xml><?xml version="1.0" encoding="utf-8"?>
 <p:sld xmlns:a="http://schemas.openxmlformats.org/drawingml/2006/main" xmlns:r="http://schemas.openxmlformats.org/officeDocument/2006/relationships" xmlns:p="http://schemas.openxmlformats.org/presentationml/2006/main">
   <p:cSld>
     <p:spTree>
@@ -4941,7 +5346,7 @@
 </p:sld>
 </file>
 
-<file path=ppt/slides/slide12.xml><?xml version="1.0" encoding="utf-8"?>
+<file path=ppt/slides/slide13.xml><?xml version="1.0" encoding="utf-8"?>
 <p:sld xmlns:a="http://schemas.openxmlformats.org/drawingml/2006/main" xmlns:r="http://schemas.openxmlformats.org/officeDocument/2006/relationships" xmlns:p="http://schemas.openxmlformats.org/presentationml/2006/main">
   <p:cSld>
     <p:spTree>
@@ -5412,7 +5817,7 @@
 </p:sld>
 </file>
 
-<file path=ppt/slides/slide13.xml><?xml version="1.0" encoding="utf-8"?>
+<file path=ppt/slides/slide14.xml><?xml version="1.0" encoding="utf-8"?>
 <p:sld xmlns:a="http://schemas.openxmlformats.org/drawingml/2006/main" xmlns:r="http://schemas.openxmlformats.org/officeDocument/2006/relationships" xmlns:p="http://schemas.openxmlformats.org/presentationml/2006/main">
   <p:cSld>
     <p:spTree>
@@ -5664,7 +6069,7 @@
 </p:sld>
 </file>
 
-<file path=ppt/slides/slide14.xml><?xml version="1.0" encoding="utf-8"?>
+<file path=ppt/slides/slide15.xml><?xml version="1.0" encoding="utf-8"?>
 <p:sld xmlns:a="http://schemas.openxmlformats.org/drawingml/2006/main" xmlns:r="http://schemas.openxmlformats.org/officeDocument/2006/relationships" xmlns:p="http://schemas.openxmlformats.org/presentationml/2006/main">
   <p:cSld>
     <p:spTree>
@@ -5802,339 +6207,6 @@
                 <a:sym typeface="+mn-ea"/>
               </a:rPr>
               <a:t>In line with relevance theory // against default accounts</a:t>
-            </a:r>
-            <a:endParaRPr lang="en-US" sz="2800">
-              <a:effectLst/>
-              <a:latin typeface="Georgia" panose="02040502050405020303" charset="0"/>
-              <a:cs typeface="Georgia" panose="02040502050405020303" charset="0"/>
-              <a:sym typeface="+mn-ea"/>
-            </a:endParaRPr>
-          </a:p>
-        </p:txBody>
-      </p:sp>
-    </p:spTree>
-  </p:cSld>
-  <p:clrMapOvr>
-    <a:masterClrMapping/>
-  </p:clrMapOvr>
-  <p:timing>
-    <p:tnLst>
-      <p:par>
-        <p:cTn id="1" dur="indefinite" restart="never" nodeType="tmRoot">
-          <p:childTnLst>
-            <p:seq concurrent="1" nextAc="seek">
-              <p:cTn id="2" dur="indefinite" nodeType="mainSeq">
-                <p:childTnLst>
-                  <p:par>
-                    <p:cTn id="3" fill="hold">
-                      <p:stCondLst>
-                        <p:cond delay="indefinite"/>
-                      </p:stCondLst>
-                      <p:childTnLst>
-                        <p:par>
-                          <p:cTn id="4" fill="hold">
-                            <p:stCondLst>
-                              <p:cond delay="0"/>
-                            </p:stCondLst>
-                            <p:childTnLst>
-                              <p:par>
-                                <p:cTn id="5" presetID="1" presetClass="entr" presetSubtype="0" fill="hold" nodeType="clickEffect">
-                                  <p:stCondLst>
-                                    <p:cond delay="0"/>
-                                  </p:stCondLst>
-                                  <p:childTnLst>
-                                    <p:set>
-                                      <p:cBhvr>
-                                        <p:cTn id="6" dur="1" fill="hold">
-                                          <p:stCondLst>
-                                            <p:cond delay="0"/>
-                                          </p:stCondLst>
-                                        </p:cTn>
-                                        <p:tgtEl>
-                                          <p:spTgt spid="9">
-                                            <p:txEl>
-                                              <p:pRg st="0" end="0"/>
-                                            </p:txEl>
-                                          </p:spTgt>
-                                        </p:tgtEl>
-                                        <p:attrNameLst>
-                                          <p:attrName>style.visibility</p:attrName>
-                                        </p:attrNameLst>
-                                      </p:cBhvr>
-                                      <p:to>
-                                        <p:strVal val="visible"/>
-                                      </p:to>
-                                    </p:set>
-                                  </p:childTnLst>
-                                </p:cTn>
-                              </p:par>
-                            </p:childTnLst>
-                          </p:cTn>
-                        </p:par>
-                      </p:childTnLst>
-                    </p:cTn>
-                  </p:par>
-                  <p:par>
-                    <p:cTn id="7" fill="hold">
-                      <p:stCondLst>
-                        <p:cond delay="indefinite"/>
-                      </p:stCondLst>
-                      <p:childTnLst>
-                        <p:par>
-                          <p:cTn id="8" fill="hold">
-                            <p:stCondLst>
-                              <p:cond delay="0"/>
-                            </p:stCondLst>
-                            <p:childTnLst>
-                              <p:par>
-                                <p:cTn id="9" presetID="1" presetClass="entr" presetSubtype="0" fill="hold" nodeType="clickEffect">
-                                  <p:stCondLst>
-                                    <p:cond delay="0"/>
-                                  </p:stCondLst>
-                                  <p:childTnLst>
-                                    <p:set>
-                                      <p:cBhvr>
-                                        <p:cTn id="10" dur="1" fill="hold">
-                                          <p:stCondLst>
-                                            <p:cond delay="0"/>
-                                          </p:stCondLst>
-                                        </p:cTn>
-                                        <p:tgtEl>
-                                          <p:spTgt spid="9">
-                                            <p:txEl>
-                                              <p:pRg st="2" end="2"/>
-                                            </p:txEl>
-                                          </p:spTgt>
-                                        </p:tgtEl>
-                                        <p:attrNameLst>
-                                          <p:attrName>style.visibility</p:attrName>
-                                        </p:attrNameLst>
-                                      </p:cBhvr>
-                                      <p:to>
-                                        <p:strVal val="visible"/>
-                                      </p:to>
-                                    </p:set>
-                                  </p:childTnLst>
-                                </p:cTn>
-                              </p:par>
-                            </p:childTnLst>
-                          </p:cTn>
-                        </p:par>
-                      </p:childTnLst>
-                    </p:cTn>
-                  </p:par>
-                  <p:par>
-                    <p:cTn id="11" fill="hold">
-                      <p:stCondLst>
-                        <p:cond delay="indefinite"/>
-                      </p:stCondLst>
-                      <p:childTnLst>
-                        <p:par>
-                          <p:cTn id="12" fill="hold">
-                            <p:stCondLst>
-                              <p:cond delay="0"/>
-                            </p:stCondLst>
-                            <p:childTnLst>
-                              <p:par>
-                                <p:cTn id="13" presetID="1" presetClass="entr" presetSubtype="0" fill="hold" nodeType="clickEffect">
-                                  <p:stCondLst>
-                                    <p:cond delay="0"/>
-                                  </p:stCondLst>
-                                  <p:childTnLst>
-                                    <p:set>
-                                      <p:cBhvr>
-                                        <p:cTn id="14" dur="1" fill="hold">
-                                          <p:stCondLst>
-                                            <p:cond delay="0"/>
-                                          </p:stCondLst>
-                                        </p:cTn>
-                                        <p:tgtEl>
-                                          <p:spTgt spid="9">
-                                            <p:txEl>
-                                              <p:pRg st="4" end="4"/>
-                                            </p:txEl>
-                                          </p:spTgt>
-                                        </p:tgtEl>
-                                        <p:attrNameLst>
-                                          <p:attrName>style.visibility</p:attrName>
-                                        </p:attrNameLst>
-                                      </p:cBhvr>
-                                      <p:to>
-                                        <p:strVal val="visible"/>
-                                      </p:to>
-                                    </p:set>
-                                  </p:childTnLst>
-                                </p:cTn>
-                              </p:par>
-                            </p:childTnLst>
-                          </p:cTn>
-                        </p:par>
-                      </p:childTnLst>
-                    </p:cTn>
-                  </p:par>
-                </p:childTnLst>
-              </p:cTn>
-              <p:prevCondLst>
-                <p:cond evt="onPrev" delay="0">
-                  <p:tgtEl>
-                    <p:sldTgt/>
-                  </p:tgtEl>
-                </p:cond>
-              </p:prevCondLst>
-              <p:nextCondLst>
-                <p:cond evt="onNext" delay="0">
-                  <p:tgtEl>
-                    <p:sldTgt/>
-                  </p:tgtEl>
-                </p:cond>
-              </p:nextCondLst>
-            </p:seq>
-          </p:childTnLst>
-        </p:cTn>
-      </p:par>
-    </p:tnLst>
-  </p:timing>
-</p:sld>
-</file>
-
-<file path=ppt/slides/slide15.xml><?xml version="1.0" encoding="utf-8"?>
-<p:sld xmlns:a="http://schemas.openxmlformats.org/drawingml/2006/main" xmlns:r="http://schemas.openxmlformats.org/officeDocument/2006/relationships" xmlns:p="http://schemas.openxmlformats.org/presentationml/2006/main">
-  <p:cSld>
-    <p:spTree>
-      <p:nvGrpSpPr>
-        <p:cNvPr id="1" name=""/>
-        <p:cNvGrpSpPr/>
-        <p:nvPr/>
-      </p:nvGrpSpPr>
-      <p:grpSpPr/>
-      <p:sp>
-        <p:nvSpPr>
-          <p:cNvPr id="2" name="Title 1"/>
-          <p:cNvSpPr>
-            <a:spLocks noGrp="1"/>
-          </p:cNvSpPr>
-          <p:nvPr>
-            <p:ph type="title"/>
-          </p:nvPr>
-        </p:nvSpPr>
-        <p:spPr/>
-        <p:txBody>
-          <a:bodyPr>
-            <a:normAutofit/>
-          </a:bodyPr>
-          <a:p>
-            <a:r>
-              <a:rPr lang="en-US">
-                <a:latin typeface="Georgia" panose="02040502050405020303" charset="0"/>
-                <a:cs typeface="Georgia" panose="02040502050405020303" charset="0"/>
-              </a:rPr>
-              <a:t>Definite reference </a:t>
-            </a:r>
-            <a:endParaRPr lang="en-US">
-              <a:latin typeface="Georgia" panose="02040502050405020303" charset="0"/>
-              <a:cs typeface="Georgia" panose="02040502050405020303" charset="0"/>
-            </a:endParaRPr>
-          </a:p>
-        </p:txBody>
-      </p:sp>
-      <p:sp>
-        <p:nvSpPr>
-          <p:cNvPr id="9" name="Text Box 8"/>
-          <p:cNvSpPr txBox="1"/>
-          <p:nvPr/>
-        </p:nvSpPr>
-        <p:spPr>
-          <a:xfrm>
-            <a:off x="1066800" y="2034223"/>
-            <a:ext cx="10058400" cy="3107690"/>
-          </a:xfrm>
-          <a:prstGeom prst="rect">
-            <a:avLst/>
-          </a:prstGeom>
-          <a:noFill/>
-        </p:spPr>
-        <p:txBody>
-          <a:bodyPr wrap="square" rtlCol="0" anchor="ctr" anchorCtr="0">
-            <a:spAutoFit/>
-          </a:bodyPr>
-          <a:p>
-            <a:pPr marL="342900" lvl="0" indent="-342900" algn="l">
-              <a:buFont typeface="Arial" panose="020B0604020202020204" pitchFamily="34" charset="0"/>
-              <a:buChar char="•"/>
-            </a:pPr>
-            <a:r>
-              <a:rPr lang="en-US" sz="2800">
-                <a:effectLst/>
-                <a:latin typeface="Georgia" panose="02040502050405020303" charset="0"/>
-                <a:cs typeface="Georgia" panose="02040502050405020303" charset="0"/>
-                <a:sym typeface="+mn-ea"/>
-              </a:rPr>
-              <a:t>Referential language &gt; semantically underspecified interpretation</a:t>
-            </a:r>
-            <a:endParaRPr lang="en-US" sz="2800">
-              <a:effectLst/>
-              <a:latin typeface="Georgia" panose="02040502050405020303" charset="0"/>
-              <a:cs typeface="Georgia" panose="02040502050405020303" charset="0"/>
-              <a:sym typeface="+mn-ea"/>
-            </a:endParaRPr>
-          </a:p>
-          <a:p>
-            <a:pPr marL="342900" lvl="0" indent="-342900" algn="l">
-              <a:buFont typeface="Arial" panose="020B0604020202020204" pitchFamily="34" charset="0"/>
-              <a:buChar char="•"/>
-            </a:pPr>
-            <a:endParaRPr lang="en-US" sz="2800">
-              <a:effectLst/>
-              <a:latin typeface="Georgia" panose="02040502050405020303" charset="0"/>
-              <a:cs typeface="Georgia" panose="02040502050405020303" charset="0"/>
-              <a:sym typeface="+mn-ea"/>
-            </a:endParaRPr>
-          </a:p>
-          <a:p>
-            <a:pPr marL="342900" lvl="0" indent="-342900" algn="l">
-              <a:buFont typeface="Arial" panose="020B0604020202020204" pitchFamily="34" charset="0"/>
-              <a:buChar char="•"/>
-            </a:pPr>
-            <a:r>
-              <a:rPr lang="en-US" sz="2800">
-                <a:effectLst/>
-                <a:latin typeface="Georgia" panose="02040502050405020303" charset="0"/>
-                <a:cs typeface="Georgia" panose="02040502050405020303" charset="0"/>
-                <a:sym typeface="+mn-ea"/>
-              </a:rPr>
-              <a:t>Common ground (mutual knowledge)</a:t>
-            </a:r>
-            <a:endParaRPr lang="en-US" sz="2800">
-              <a:effectLst/>
-              <a:latin typeface="Georgia" panose="02040502050405020303" charset="0"/>
-              <a:cs typeface="Georgia" panose="02040502050405020303" charset="0"/>
-              <a:sym typeface="+mn-ea"/>
-            </a:endParaRPr>
-          </a:p>
-          <a:p>
-            <a:pPr lvl="1" indent="0" algn="l">
-              <a:buNone/>
-            </a:pPr>
-            <a:endParaRPr lang="en-US" sz="2800">
-              <a:effectLst/>
-              <a:latin typeface="Georgia" panose="02040502050405020303" charset="0"/>
-              <a:cs typeface="Georgia" panose="02040502050405020303" charset="0"/>
-              <a:sym typeface="+mn-ea"/>
-            </a:endParaRPr>
-          </a:p>
-          <a:p>
-            <a:pPr marL="457200" lvl="0" indent="-457200" algn="l">
-              <a:buFont typeface="Arial" panose="020B0604020202020204" pitchFamily="34" charset="0"/>
-              <a:buChar char="•"/>
-            </a:pPr>
-            <a:r>
-              <a:rPr lang="en-US" sz="2800">
-                <a:effectLst/>
-                <a:latin typeface="Georgia" panose="02040502050405020303" charset="0"/>
-                <a:cs typeface="Georgia" panose="02040502050405020303" charset="0"/>
-                <a:sym typeface="+mn-ea"/>
-              </a:rPr>
-              <a:t>Does common ground directly constraint linguistic interpretation?</a:t>
             </a:r>
             <a:endParaRPr lang="en-US" sz="2800">
               <a:effectLst/>
@@ -6340,6 +6412,567 @@
         <p:nvPr/>
       </p:nvGrpSpPr>
       <p:grpSpPr/>
+      <p:pic>
+        <p:nvPicPr>
+          <p:cNvPr id="3" name="Content Placeholder 2" descr="900px-Major_levels_of_linguistic_structure.svg"/>
+          <p:cNvPicPr>
+            <a:picLocks noChangeAspect="1"/>
+          </p:cNvPicPr>
+          <p:nvPr>
+            <p:ph idx="1"/>
+          </p:nvPr>
+        </p:nvPicPr>
+        <p:blipFill>
+          <a:blip r:embed="rId1"/>
+          <a:stretch>
+            <a:fillRect/>
+          </a:stretch>
+        </p:blipFill>
+        <p:spPr>
+          <a:xfrm>
+            <a:off x="838200" y="1143000"/>
+            <a:ext cx="4572000" cy="4572000"/>
+          </a:xfrm>
+          <a:prstGeom prst="rect">
+            <a:avLst/>
+          </a:prstGeom>
+        </p:spPr>
+      </p:pic>
+      <p:sp>
+        <p:nvSpPr>
+          <p:cNvPr id="5" name="Oval 4"/>
+          <p:cNvSpPr/>
+          <p:nvPr/>
+        </p:nvSpPr>
+        <p:spPr>
+          <a:xfrm>
+            <a:off x="7211060" y="1600200"/>
+            <a:ext cx="3657600" cy="3657600"/>
+          </a:xfrm>
+          <a:prstGeom prst="ellipse">
+            <a:avLst/>
+          </a:prstGeom>
+          <a:solidFill>
+            <a:srgbClr val="F6E178"/>
+          </a:solidFill>
+          <a:ln>
+            <a:noFill/>
+          </a:ln>
+        </p:spPr>
+        <p:style>
+          <a:lnRef idx="2">
+            <a:schemeClr val="accent1">
+              <a:shade val="50000"/>
+            </a:schemeClr>
+          </a:lnRef>
+          <a:fillRef idx="1">
+            <a:schemeClr val="accent1"/>
+          </a:fillRef>
+          <a:effectRef idx="0">
+            <a:schemeClr val="accent1"/>
+          </a:effectRef>
+          <a:fontRef idx="minor">
+            <a:schemeClr val="lt1"/>
+          </a:fontRef>
+        </p:style>
+        <p:txBody>
+          <a:bodyPr rtlCol="0" anchor="ctr"/>
+          <a:p>
+            <a:pPr algn="ctr"/>
+            <a:r>
+              <a:rPr lang="en-US" sz="3200">
+                <a:solidFill>
+                  <a:schemeClr val="tx1"/>
+                </a:solidFill>
+                <a:latin typeface="Georgia" panose="02040502050405020303" charset="0"/>
+                <a:cs typeface="Georgia" panose="02040502050405020303" charset="0"/>
+              </a:rPr>
+              <a:t>Definite reference</a:t>
+            </a:r>
+            <a:endParaRPr lang="en-US" sz="3200">
+              <a:solidFill>
+                <a:schemeClr val="tx1"/>
+              </a:solidFill>
+              <a:latin typeface="Georgia" panose="02040502050405020303" charset="0"/>
+              <a:cs typeface="Georgia" panose="02040502050405020303" charset="0"/>
+            </a:endParaRPr>
+          </a:p>
+        </p:txBody>
+      </p:sp>
+    </p:spTree>
+  </p:cSld>
+  <p:clrMapOvr>
+    <a:masterClrMapping/>
+  </p:clrMapOvr>
+  <p:timing>
+    <p:tnLst>
+      <p:par>
+        <p:cTn id="1" dur="indefinite" restart="never" nodeType="tmRoot">
+          <p:childTnLst>
+            <p:seq concurrent="1" nextAc="seek">
+              <p:cTn id="2" dur="indefinite" nodeType="mainSeq">
+                <p:childTnLst>
+                  <p:par>
+                    <p:cTn id="3" fill="hold">
+                      <p:stCondLst>
+                        <p:cond delay="indefinite"/>
+                      </p:stCondLst>
+                      <p:childTnLst>
+                        <p:par>
+                          <p:cTn id="4" fill="hold">
+                            <p:stCondLst>
+                              <p:cond delay="0"/>
+                            </p:stCondLst>
+                            <p:childTnLst>
+                              <p:par>
+                                <p:cTn id="5" presetID="1" presetClass="entr" presetSubtype="0" fill="hold" nodeType="clickEffect">
+                                  <p:stCondLst>
+                                    <p:cond delay="0"/>
+                                  </p:stCondLst>
+                                  <p:childTnLst>
+                                    <p:set>
+                                      <p:cBhvr>
+                                        <p:cTn id="6" dur="1" fill="hold">
+                                          <p:stCondLst>
+                                            <p:cond delay="0"/>
+                                          </p:stCondLst>
+                                        </p:cTn>
+                                        <p:tgtEl>
+                                          <p:spTgt spid="3"/>
+                                        </p:tgtEl>
+                                        <p:attrNameLst>
+                                          <p:attrName>style.visibility</p:attrName>
+                                        </p:attrNameLst>
+                                      </p:cBhvr>
+                                      <p:to>
+                                        <p:strVal val="visible"/>
+                                      </p:to>
+                                    </p:set>
+                                  </p:childTnLst>
+                                </p:cTn>
+                              </p:par>
+                            </p:childTnLst>
+                          </p:cTn>
+                        </p:par>
+                      </p:childTnLst>
+                    </p:cTn>
+                  </p:par>
+                  <p:par>
+                    <p:cTn id="7" fill="hold">
+                      <p:stCondLst>
+                        <p:cond delay="indefinite"/>
+                      </p:stCondLst>
+                      <p:childTnLst>
+                        <p:par>
+                          <p:cTn id="8" fill="hold">
+                            <p:stCondLst>
+                              <p:cond delay="0"/>
+                            </p:stCondLst>
+                            <p:childTnLst>
+                              <p:par>
+                                <p:cTn id="9" presetID="1" presetClass="entr" presetSubtype="0" fill="hold" grpId="0" nodeType="clickEffect">
+                                  <p:stCondLst>
+                                    <p:cond delay="0"/>
+                                  </p:stCondLst>
+                                  <p:childTnLst>
+                                    <p:set>
+                                      <p:cBhvr>
+                                        <p:cTn id="10" dur="1" fill="hold">
+                                          <p:stCondLst>
+                                            <p:cond delay="0"/>
+                                          </p:stCondLst>
+                                        </p:cTn>
+                                        <p:tgtEl>
+                                          <p:spTgt spid="5"/>
+                                        </p:tgtEl>
+                                        <p:attrNameLst>
+                                          <p:attrName>style.visibility</p:attrName>
+                                        </p:attrNameLst>
+                                      </p:cBhvr>
+                                      <p:to>
+                                        <p:strVal val="visible"/>
+                                      </p:to>
+                                    </p:set>
+                                  </p:childTnLst>
+                                </p:cTn>
+                              </p:par>
+                            </p:childTnLst>
+                          </p:cTn>
+                        </p:par>
+                      </p:childTnLst>
+                    </p:cTn>
+                  </p:par>
+                </p:childTnLst>
+              </p:cTn>
+              <p:prevCondLst>
+                <p:cond evt="onPrev" delay="0">
+                  <p:tgtEl>
+                    <p:sldTgt/>
+                  </p:tgtEl>
+                </p:cond>
+              </p:prevCondLst>
+              <p:nextCondLst>
+                <p:cond evt="onNext" delay="0">
+                  <p:tgtEl>
+                    <p:sldTgt/>
+                  </p:tgtEl>
+                </p:cond>
+              </p:nextCondLst>
+            </p:seq>
+          </p:childTnLst>
+        </p:cTn>
+      </p:par>
+    </p:tnLst>
+    <p:bldLst>
+      <p:bldP spid="5" grpId="0" animBg="1"/>
+    </p:bldLst>
+  </p:timing>
+</p:sld>
+</file>
+
+<file path=ppt/slides/slide17.xml><?xml version="1.0" encoding="utf-8"?>
+<p:sld xmlns:a="http://schemas.openxmlformats.org/drawingml/2006/main" xmlns:r="http://schemas.openxmlformats.org/officeDocument/2006/relationships" xmlns:p="http://schemas.openxmlformats.org/presentationml/2006/main">
+  <p:cSld>
+    <p:spTree>
+      <p:nvGrpSpPr>
+        <p:cNvPr id="1" name=""/>
+        <p:cNvGrpSpPr/>
+        <p:nvPr/>
+      </p:nvGrpSpPr>
+      <p:grpSpPr/>
+      <p:sp>
+        <p:nvSpPr>
+          <p:cNvPr id="2" name="Title 1"/>
+          <p:cNvSpPr>
+            <a:spLocks noGrp="1"/>
+          </p:cNvSpPr>
+          <p:nvPr>
+            <p:ph type="title"/>
+          </p:nvPr>
+        </p:nvSpPr>
+        <p:spPr/>
+        <p:txBody>
+          <a:bodyPr>
+            <a:normAutofit/>
+          </a:bodyPr>
+          <a:p>
+            <a:r>
+              <a:rPr lang="en-US">
+                <a:latin typeface="Georgia" panose="02040502050405020303" charset="0"/>
+                <a:cs typeface="Georgia" panose="02040502050405020303" charset="0"/>
+              </a:rPr>
+              <a:t>Definite reference </a:t>
+            </a:r>
+            <a:endParaRPr lang="en-US">
+              <a:latin typeface="Georgia" panose="02040502050405020303" charset="0"/>
+              <a:cs typeface="Georgia" panose="02040502050405020303" charset="0"/>
+            </a:endParaRPr>
+          </a:p>
+        </p:txBody>
+      </p:sp>
+      <p:sp>
+        <p:nvSpPr>
+          <p:cNvPr id="9" name="Text Box 8"/>
+          <p:cNvSpPr txBox="1"/>
+          <p:nvPr/>
+        </p:nvSpPr>
+        <p:spPr>
+          <a:xfrm>
+            <a:off x="1066800" y="2034223"/>
+            <a:ext cx="10058400" cy="3107690"/>
+          </a:xfrm>
+          <a:prstGeom prst="rect">
+            <a:avLst/>
+          </a:prstGeom>
+          <a:noFill/>
+        </p:spPr>
+        <p:txBody>
+          <a:bodyPr wrap="square" rtlCol="0" anchor="ctr" anchorCtr="0">
+            <a:spAutoFit/>
+          </a:bodyPr>
+          <a:p>
+            <a:pPr marL="342900" lvl="0" indent="-342900" algn="l">
+              <a:buFont typeface="Arial" panose="020B0604020202020204" pitchFamily="34" charset="0"/>
+              <a:buChar char="•"/>
+            </a:pPr>
+            <a:r>
+              <a:rPr lang="en-US" sz="2800">
+                <a:effectLst/>
+                <a:latin typeface="Georgia" panose="02040502050405020303" charset="0"/>
+                <a:cs typeface="Georgia" panose="02040502050405020303" charset="0"/>
+                <a:sym typeface="+mn-ea"/>
+              </a:rPr>
+              <a:t>Referential language &gt; semantically underspecified interpretation</a:t>
+            </a:r>
+            <a:endParaRPr lang="en-US" sz="2800">
+              <a:effectLst/>
+              <a:latin typeface="Georgia" panose="02040502050405020303" charset="0"/>
+              <a:cs typeface="Georgia" panose="02040502050405020303" charset="0"/>
+              <a:sym typeface="+mn-ea"/>
+            </a:endParaRPr>
+          </a:p>
+          <a:p>
+            <a:pPr marL="342900" lvl="0" indent="-342900" algn="l">
+              <a:buFont typeface="Arial" panose="020B0604020202020204" pitchFamily="34" charset="0"/>
+              <a:buChar char="•"/>
+            </a:pPr>
+            <a:endParaRPr lang="en-US" sz="2800">
+              <a:effectLst/>
+              <a:latin typeface="Georgia" panose="02040502050405020303" charset="0"/>
+              <a:cs typeface="Georgia" panose="02040502050405020303" charset="0"/>
+              <a:sym typeface="+mn-ea"/>
+            </a:endParaRPr>
+          </a:p>
+          <a:p>
+            <a:pPr marL="342900" lvl="0" indent="-342900" algn="l">
+              <a:buFont typeface="Arial" panose="020B0604020202020204" pitchFamily="34" charset="0"/>
+              <a:buChar char="•"/>
+            </a:pPr>
+            <a:r>
+              <a:rPr lang="en-US" sz="2800">
+                <a:effectLst/>
+                <a:latin typeface="Georgia" panose="02040502050405020303" charset="0"/>
+                <a:cs typeface="Georgia" panose="02040502050405020303" charset="0"/>
+                <a:sym typeface="+mn-ea"/>
+              </a:rPr>
+              <a:t>Common ground (mutual knowledge)</a:t>
+            </a:r>
+            <a:endParaRPr lang="en-US" sz="2800">
+              <a:effectLst/>
+              <a:latin typeface="Georgia" panose="02040502050405020303" charset="0"/>
+              <a:cs typeface="Georgia" panose="02040502050405020303" charset="0"/>
+              <a:sym typeface="+mn-ea"/>
+            </a:endParaRPr>
+          </a:p>
+          <a:p>
+            <a:pPr lvl="1" indent="0" algn="l">
+              <a:buNone/>
+            </a:pPr>
+            <a:endParaRPr lang="en-US" sz="2800">
+              <a:effectLst/>
+              <a:latin typeface="Georgia" panose="02040502050405020303" charset="0"/>
+              <a:cs typeface="Georgia" panose="02040502050405020303" charset="0"/>
+              <a:sym typeface="+mn-ea"/>
+            </a:endParaRPr>
+          </a:p>
+          <a:p>
+            <a:pPr marL="457200" lvl="0" indent="-457200" algn="l">
+              <a:buFont typeface="Arial" panose="020B0604020202020204" pitchFamily="34" charset="0"/>
+              <a:buChar char="•"/>
+            </a:pPr>
+            <a:r>
+              <a:rPr lang="en-US" sz="2800">
+                <a:effectLst/>
+                <a:latin typeface="Georgia" panose="02040502050405020303" charset="0"/>
+                <a:cs typeface="Georgia" panose="02040502050405020303" charset="0"/>
+                <a:sym typeface="+mn-ea"/>
+              </a:rPr>
+              <a:t>Does common ground directly constraint linguistic interpretation?</a:t>
+            </a:r>
+            <a:endParaRPr lang="en-US" sz="2800">
+              <a:effectLst/>
+              <a:latin typeface="Georgia" panose="02040502050405020303" charset="0"/>
+              <a:cs typeface="Georgia" panose="02040502050405020303" charset="0"/>
+              <a:sym typeface="+mn-ea"/>
+            </a:endParaRPr>
+          </a:p>
+        </p:txBody>
+      </p:sp>
+    </p:spTree>
+  </p:cSld>
+  <p:clrMapOvr>
+    <a:masterClrMapping/>
+  </p:clrMapOvr>
+  <p:timing>
+    <p:tnLst>
+      <p:par>
+        <p:cTn id="1" dur="indefinite" restart="never" nodeType="tmRoot">
+          <p:childTnLst>
+            <p:seq concurrent="1" nextAc="seek">
+              <p:cTn id="2" dur="indefinite" nodeType="mainSeq">
+                <p:childTnLst>
+                  <p:par>
+                    <p:cTn id="3" fill="hold">
+                      <p:stCondLst>
+                        <p:cond delay="indefinite"/>
+                      </p:stCondLst>
+                      <p:childTnLst>
+                        <p:par>
+                          <p:cTn id="4" fill="hold">
+                            <p:stCondLst>
+                              <p:cond delay="0"/>
+                            </p:stCondLst>
+                            <p:childTnLst>
+                              <p:par>
+                                <p:cTn id="5" presetID="1" presetClass="entr" presetSubtype="0" fill="hold" nodeType="clickEffect">
+                                  <p:stCondLst>
+                                    <p:cond delay="0"/>
+                                  </p:stCondLst>
+                                  <p:childTnLst>
+                                    <p:set>
+                                      <p:cBhvr>
+                                        <p:cTn id="6" dur="1" fill="hold">
+                                          <p:stCondLst>
+                                            <p:cond delay="0"/>
+                                          </p:stCondLst>
+                                        </p:cTn>
+                                        <p:tgtEl>
+                                          <p:spTgt spid="9">
+                                            <p:txEl>
+                                              <p:pRg st="0" end="0"/>
+                                            </p:txEl>
+                                          </p:spTgt>
+                                        </p:tgtEl>
+                                        <p:attrNameLst>
+                                          <p:attrName>style.visibility</p:attrName>
+                                        </p:attrNameLst>
+                                      </p:cBhvr>
+                                      <p:to>
+                                        <p:strVal val="visible"/>
+                                      </p:to>
+                                    </p:set>
+                                  </p:childTnLst>
+                                </p:cTn>
+                              </p:par>
+                            </p:childTnLst>
+                          </p:cTn>
+                        </p:par>
+                      </p:childTnLst>
+                    </p:cTn>
+                  </p:par>
+                  <p:par>
+                    <p:cTn id="7" fill="hold">
+                      <p:stCondLst>
+                        <p:cond delay="indefinite"/>
+                      </p:stCondLst>
+                      <p:childTnLst>
+                        <p:par>
+                          <p:cTn id="8" fill="hold">
+                            <p:stCondLst>
+                              <p:cond delay="0"/>
+                            </p:stCondLst>
+                            <p:childTnLst>
+                              <p:par>
+                                <p:cTn id="9" presetID="1" presetClass="entr" presetSubtype="0" fill="hold" nodeType="clickEffect">
+                                  <p:stCondLst>
+                                    <p:cond delay="0"/>
+                                  </p:stCondLst>
+                                  <p:childTnLst>
+                                    <p:set>
+                                      <p:cBhvr>
+                                        <p:cTn id="10" dur="1" fill="hold">
+                                          <p:stCondLst>
+                                            <p:cond delay="0"/>
+                                          </p:stCondLst>
+                                        </p:cTn>
+                                        <p:tgtEl>
+                                          <p:spTgt spid="9">
+                                            <p:txEl>
+                                              <p:pRg st="2" end="2"/>
+                                            </p:txEl>
+                                          </p:spTgt>
+                                        </p:tgtEl>
+                                        <p:attrNameLst>
+                                          <p:attrName>style.visibility</p:attrName>
+                                        </p:attrNameLst>
+                                      </p:cBhvr>
+                                      <p:to>
+                                        <p:strVal val="visible"/>
+                                      </p:to>
+                                    </p:set>
+                                  </p:childTnLst>
+                                </p:cTn>
+                              </p:par>
+                            </p:childTnLst>
+                          </p:cTn>
+                        </p:par>
+                      </p:childTnLst>
+                    </p:cTn>
+                  </p:par>
+                  <p:par>
+                    <p:cTn id="11" fill="hold">
+                      <p:stCondLst>
+                        <p:cond delay="indefinite"/>
+                      </p:stCondLst>
+                      <p:childTnLst>
+                        <p:par>
+                          <p:cTn id="12" fill="hold">
+                            <p:stCondLst>
+                              <p:cond delay="0"/>
+                            </p:stCondLst>
+                            <p:childTnLst>
+                              <p:par>
+                                <p:cTn id="13" presetID="1" presetClass="entr" presetSubtype="0" fill="hold" nodeType="clickEffect">
+                                  <p:stCondLst>
+                                    <p:cond delay="0"/>
+                                  </p:stCondLst>
+                                  <p:childTnLst>
+                                    <p:set>
+                                      <p:cBhvr>
+                                        <p:cTn id="14" dur="1" fill="hold">
+                                          <p:stCondLst>
+                                            <p:cond delay="0"/>
+                                          </p:stCondLst>
+                                        </p:cTn>
+                                        <p:tgtEl>
+                                          <p:spTgt spid="9">
+                                            <p:txEl>
+                                              <p:pRg st="4" end="4"/>
+                                            </p:txEl>
+                                          </p:spTgt>
+                                        </p:tgtEl>
+                                        <p:attrNameLst>
+                                          <p:attrName>style.visibility</p:attrName>
+                                        </p:attrNameLst>
+                                      </p:cBhvr>
+                                      <p:to>
+                                        <p:strVal val="visible"/>
+                                      </p:to>
+                                    </p:set>
+                                  </p:childTnLst>
+                                </p:cTn>
+                              </p:par>
+                            </p:childTnLst>
+                          </p:cTn>
+                        </p:par>
+                      </p:childTnLst>
+                    </p:cTn>
+                  </p:par>
+                </p:childTnLst>
+              </p:cTn>
+              <p:prevCondLst>
+                <p:cond evt="onPrev" delay="0">
+                  <p:tgtEl>
+                    <p:sldTgt/>
+                  </p:tgtEl>
+                </p:cond>
+              </p:prevCondLst>
+              <p:nextCondLst>
+                <p:cond evt="onNext" delay="0">
+                  <p:tgtEl>
+                    <p:sldTgt/>
+                  </p:tgtEl>
+                </p:cond>
+              </p:nextCondLst>
+            </p:seq>
+          </p:childTnLst>
+        </p:cTn>
+      </p:par>
+    </p:tnLst>
+  </p:timing>
+</p:sld>
+</file>
+
+<file path=ppt/slides/slide18.xml><?xml version="1.0" encoding="utf-8"?>
+<p:sld xmlns:a="http://schemas.openxmlformats.org/drawingml/2006/main" xmlns:r="http://schemas.openxmlformats.org/officeDocument/2006/relationships" xmlns:p="http://schemas.openxmlformats.org/presentationml/2006/main">
+  <p:cSld>
+    <p:spTree>
+      <p:nvGrpSpPr>
+        <p:cNvPr id="1" name=""/>
+        <p:cNvGrpSpPr/>
+        <p:nvPr/>
+      </p:nvGrpSpPr>
+      <p:grpSpPr/>
       <p:sp>
         <p:nvSpPr>
           <p:cNvPr id="2" name="Title 1"/>
@@ -6435,7 +7068,7 @@
                 <a:cs typeface="Georgia" panose="02040502050405020303" charset="0"/>
                 <a:sym typeface="+mn-ea"/>
               </a:rPr>
-              <a:t>(Herb Clark) Repeated reference as a measure of production</a:t>
+              <a:t>(Clark) Repeated reference as a measure of production</a:t>
             </a:r>
             <a:endParaRPr lang="en-US" sz="2800">
               <a:effectLst/>
@@ -6802,7 +7435,7 @@
 </p:sld>
 </file>
 
-<file path=ppt/slides/slide17.xml><?xml version="1.0" encoding="utf-8"?>
+<file path=ppt/slides/slide19.xml><?xml version="1.0" encoding="utf-8"?>
 <p:sld xmlns:a="http://schemas.openxmlformats.org/drawingml/2006/main" xmlns:r="http://schemas.openxmlformats.org/officeDocument/2006/relationships" xmlns:p="http://schemas.openxmlformats.org/presentationml/2006/main">
   <p:cSld>
     <p:spTree>
@@ -6874,7 +7507,7 @@
                 <a:cs typeface="Georgia" panose="02040502050405020303" charset="0"/>
                 <a:sym typeface="+mn-ea"/>
               </a:rPr>
-              <a:t>(Herb Clark) Comprehension measures - Addressees have to pick out a referent based on asked questions</a:t>
+              <a:t>(Clark) Comprehension measures - Addressees have to pick out a referent based on asked questions</a:t>
             </a:r>
             <a:endParaRPr lang="en-US" sz="2800">
               <a:effectLst/>
@@ -7160,431 +7793,6 @@
                                           <p:spTgt spid="9">
                                             <p:txEl>
                                               <p:pRg st="5" end="5"/>
-                                            </p:txEl>
-                                          </p:spTgt>
-                                        </p:tgtEl>
-                                        <p:attrNameLst>
-                                          <p:attrName>style.visibility</p:attrName>
-                                        </p:attrNameLst>
-                                      </p:cBhvr>
-                                      <p:to>
-                                        <p:strVal val="visible"/>
-                                      </p:to>
-                                    </p:set>
-                                  </p:childTnLst>
-                                </p:cTn>
-                              </p:par>
-                            </p:childTnLst>
-                          </p:cTn>
-                        </p:par>
-                      </p:childTnLst>
-                    </p:cTn>
-                  </p:par>
-                </p:childTnLst>
-              </p:cTn>
-              <p:prevCondLst>
-                <p:cond evt="onPrev" delay="0">
-                  <p:tgtEl>
-                    <p:sldTgt/>
-                  </p:tgtEl>
-                </p:cond>
-              </p:prevCondLst>
-              <p:nextCondLst>
-                <p:cond evt="onNext" delay="0">
-                  <p:tgtEl>
-                    <p:sldTgt/>
-                  </p:tgtEl>
-                </p:cond>
-              </p:nextCondLst>
-            </p:seq>
-          </p:childTnLst>
-        </p:cTn>
-      </p:par>
-    </p:tnLst>
-  </p:timing>
-</p:sld>
-</file>
-
-<file path=ppt/slides/slide18.xml><?xml version="1.0" encoding="utf-8"?>
-<p:sld xmlns:a="http://schemas.openxmlformats.org/drawingml/2006/main" xmlns:r="http://schemas.openxmlformats.org/officeDocument/2006/relationships" xmlns:p="http://schemas.openxmlformats.org/presentationml/2006/main">
-  <p:cSld>
-    <p:spTree>
-      <p:nvGrpSpPr>
-        <p:cNvPr id="1" name=""/>
-        <p:cNvGrpSpPr/>
-        <p:nvPr/>
-      </p:nvGrpSpPr>
-      <p:grpSpPr>
-        <a:xfrm>
-          <a:off x="0" y="0"/>
-          <a:ext cx="0" cy="0"/>
-          <a:chOff x="0" y="0"/>
-          <a:chExt cx="0" cy="0"/>
-        </a:xfrm>
-      </p:grpSpPr>
-      <p:pic>
-        <p:nvPicPr>
-          <p:cNvPr id="4" name="Picture 3"/>
-          <p:cNvPicPr>
-            <a:picLocks noChangeAspect="1"/>
-          </p:cNvPicPr>
-          <p:nvPr/>
-        </p:nvPicPr>
-        <p:blipFill>
-          <a:blip r:embed="rId1"/>
-          <a:stretch>
-            <a:fillRect/>
-          </a:stretch>
-        </p:blipFill>
-        <p:spPr>
-          <a:xfrm>
-            <a:off x="1066800" y="1525087"/>
-            <a:ext cx="10058400" cy="3807826"/>
-          </a:xfrm>
-          <a:prstGeom prst="rect">
-            <a:avLst/>
-          </a:prstGeom>
-        </p:spPr>
-      </p:pic>
-      <p:sp>
-        <p:nvSpPr>
-          <p:cNvPr id="5" name="Text Box 4"/>
-          <p:cNvSpPr txBox="1"/>
-          <p:nvPr/>
-        </p:nvSpPr>
-        <p:spPr>
-          <a:xfrm>
-            <a:off x="8107680" y="5586730"/>
-            <a:ext cx="2188845" cy="368300"/>
-          </a:xfrm>
-          <a:prstGeom prst="rect">
-            <a:avLst/>
-          </a:prstGeom>
-          <a:noFill/>
-        </p:spPr>
-        <p:txBody>
-          <a:bodyPr wrap="none" rtlCol="0" anchor="t">
-            <a:spAutoFit/>
-          </a:bodyPr>
-          <a:p>
-            <a:r>
-              <a:rPr lang="en-US">
-                <a:latin typeface="Georgia" panose="02040502050405020303" charset="0"/>
-                <a:cs typeface="Georgia" panose="02040502050405020303" charset="0"/>
-              </a:rPr>
-              <a:t>Keysar et al. (2000)</a:t>
-            </a:r>
-            <a:endParaRPr lang="en-US">
-              <a:latin typeface="Georgia" panose="02040502050405020303" charset="0"/>
-              <a:cs typeface="Georgia" panose="02040502050405020303" charset="0"/>
-            </a:endParaRPr>
-          </a:p>
-        </p:txBody>
-      </p:sp>
-    </p:spTree>
-  </p:cSld>
-  <p:clrMapOvr>
-    <a:masterClrMapping/>
-  </p:clrMapOvr>
-  <p:timing>
-    <p:tnLst>
-      <p:par>
-        <p:cTn id="1" dur="indefinite" restart="never" nodeType="tmRoot"/>
-      </p:par>
-    </p:tnLst>
-  </p:timing>
-</p:sld>
-</file>
-
-<file path=ppt/slides/slide19.xml><?xml version="1.0" encoding="utf-8"?>
-<p:sld xmlns:a="http://schemas.openxmlformats.org/drawingml/2006/main" xmlns:r="http://schemas.openxmlformats.org/officeDocument/2006/relationships" xmlns:p="http://schemas.openxmlformats.org/presentationml/2006/main">
-  <p:cSld>
-    <p:spTree>
-      <p:nvGrpSpPr>
-        <p:cNvPr id="1" name=""/>
-        <p:cNvGrpSpPr/>
-        <p:nvPr/>
-      </p:nvGrpSpPr>
-      <p:grpSpPr/>
-      <p:sp>
-        <p:nvSpPr>
-          <p:cNvPr id="2" name="Title 1"/>
-          <p:cNvSpPr>
-            <a:spLocks noGrp="1"/>
-          </p:cNvSpPr>
-          <p:nvPr>
-            <p:ph type="title"/>
-          </p:nvPr>
-        </p:nvSpPr>
-        <p:spPr/>
-        <p:txBody>
-          <a:bodyPr>
-            <a:normAutofit/>
-          </a:bodyPr>
-          <a:p>
-            <a:r>
-              <a:rPr lang="en-US">
-                <a:latin typeface="Georgia" panose="02040502050405020303" charset="0"/>
-                <a:cs typeface="Georgia" panose="02040502050405020303" charset="0"/>
-              </a:rPr>
-              <a:t>Definite reference </a:t>
-            </a:r>
-            <a:endParaRPr lang="en-US">
-              <a:latin typeface="Georgia" panose="02040502050405020303" charset="0"/>
-              <a:cs typeface="Georgia" panose="02040502050405020303" charset="0"/>
-            </a:endParaRPr>
-          </a:p>
-        </p:txBody>
-      </p:sp>
-      <p:sp>
-        <p:nvSpPr>
-          <p:cNvPr id="9" name="Text Box 8"/>
-          <p:cNvSpPr txBox="1"/>
-          <p:nvPr/>
-        </p:nvSpPr>
-        <p:spPr>
-          <a:xfrm>
-            <a:off x="1066800" y="2050733"/>
-            <a:ext cx="10058400" cy="3538220"/>
-          </a:xfrm>
-          <a:prstGeom prst="rect">
-            <a:avLst/>
-          </a:prstGeom>
-          <a:noFill/>
-        </p:spPr>
-        <p:txBody>
-          <a:bodyPr wrap="square" rtlCol="0" anchor="ctr" anchorCtr="0">
-            <a:spAutoFit/>
-          </a:bodyPr>
-          <a:p>
-            <a:pPr marL="342900" lvl="0" indent="-342900" algn="l">
-              <a:buFont typeface="Arial" panose="020B0604020202020204" pitchFamily="34" charset="0"/>
-              <a:buChar char="•"/>
-            </a:pPr>
-            <a:r>
-              <a:rPr lang="en-US" sz="2800">
-                <a:effectLst/>
-                <a:latin typeface="Georgia" panose="02040502050405020303" charset="0"/>
-                <a:cs typeface="Georgia" panose="02040502050405020303" charset="0"/>
-                <a:sym typeface="+mn-ea"/>
-              </a:rPr>
-              <a:t>Strong common ground approach - People exploit linguistic cues and theory of mind constraints are accessed online</a:t>
-            </a:r>
-            <a:endParaRPr lang="en-US" sz="2800">
-              <a:effectLst/>
-              <a:latin typeface="Georgia" panose="02040502050405020303" charset="0"/>
-              <a:cs typeface="Georgia" panose="02040502050405020303" charset="0"/>
-              <a:sym typeface="+mn-ea"/>
-            </a:endParaRPr>
-          </a:p>
-          <a:p>
-            <a:pPr marL="342900" lvl="0" indent="-342900" algn="l">
-              <a:buFont typeface="Arial" panose="020B0604020202020204" pitchFamily="34" charset="0"/>
-              <a:buChar char="•"/>
-            </a:pPr>
-            <a:endParaRPr lang="en-US" sz="2800">
-              <a:effectLst/>
-              <a:latin typeface="Georgia" panose="02040502050405020303" charset="0"/>
-              <a:cs typeface="Georgia" panose="02040502050405020303" charset="0"/>
-              <a:sym typeface="+mn-ea"/>
-            </a:endParaRPr>
-          </a:p>
-          <a:p>
-            <a:pPr marL="342900" lvl="0" indent="-342900" algn="l">
-              <a:buFont typeface="Arial" panose="020B0604020202020204" pitchFamily="34" charset="0"/>
-              <a:buChar char="•"/>
-            </a:pPr>
-            <a:r>
-              <a:rPr lang="en-US" sz="2800">
-                <a:effectLst/>
-                <a:latin typeface="Georgia" panose="02040502050405020303" charset="0"/>
-                <a:cs typeface="Georgia" panose="02040502050405020303" charset="0"/>
-                <a:sym typeface="+mn-ea"/>
-              </a:rPr>
-              <a:t>Referential language cannot in itself provide the listerner with relevant clues</a:t>
-            </a:r>
-            <a:endParaRPr lang="en-US" sz="2800">
-              <a:effectLst/>
-              <a:latin typeface="Georgia" panose="02040502050405020303" charset="0"/>
-              <a:cs typeface="Georgia" panose="02040502050405020303" charset="0"/>
-              <a:sym typeface="+mn-ea"/>
-            </a:endParaRPr>
-          </a:p>
-          <a:p>
-            <a:pPr marL="342900" lvl="0" indent="-342900" algn="l">
-              <a:buFont typeface="Arial" panose="020B0604020202020204" pitchFamily="34" charset="0"/>
-              <a:buChar char="•"/>
-            </a:pPr>
-            <a:endParaRPr lang="en-US" sz="2800">
-              <a:effectLst/>
-              <a:latin typeface="Georgia" panose="02040502050405020303" charset="0"/>
-              <a:cs typeface="Georgia" panose="02040502050405020303" charset="0"/>
-              <a:sym typeface="+mn-ea"/>
-            </a:endParaRPr>
-          </a:p>
-          <a:p>
-            <a:pPr marL="457200" lvl="0" indent="-457200" algn="l">
-              <a:buFont typeface="Arial" panose="020B0604020202020204" pitchFamily="34" charset="0"/>
-              <a:buChar char="•"/>
-            </a:pPr>
-            <a:r>
-              <a:rPr lang="en-US" sz="2800">
-                <a:effectLst/>
-                <a:latin typeface="Georgia" panose="02040502050405020303" charset="0"/>
-                <a:cs typeface="Georgia" panose="02040502050405020303" charset="0"/>
-                <a:sym typeface="+mn-ea"/>
-              </a:rPr>
-              <a:t>Some amount of inference is needed to close the gap between sentence meaning and speaker meaning</a:t>
-            </a:r>
-            <a:endParaRPr lang="en-US" sz="2800">
-              <a:effectLst/>
-              <a:latin typeface="Georgia" panose="02040502050405020303" charset="0"/>
-              <a:cs typeface="Georgia" panose="02040502050405020303" charset="0"/>
-              <a:sym typeface="+mn-ea"/>
-            </a:endParaRPr>
-          </a:p>
-        </p:txBody>
-      </p:sp>
-    </p:spTree>
-  </p:cSld>
-  <p:clrMapOvr>
-    <a:masterClrMapping/>
-  </p:clrMapOvr>
-  <p:timing>
-    <p:tnLst>
-      <p:par>
-        <p:cTn id="1" dur="indefinite" restart="never" nodeType="tmRoot">
-          <p:childTnLst>
-            <p:seq concurrent="1" nextAc="seek">
-              <p:cTn id="2" dur="indefinite" nodeType="mainSeq">
-                <p:childTnLst>
-                  <p:par>
-                    <p:cTn id="3" fill="hold">
-                      <p:stCondLst>
-                        <p:cond delay="indefinite"/>
-                      </p:stCondLst>
-                      <p:childTnLst>
-                        <p:par>
-                          <p:cTn id="4" fill="hold">
-                            <p:stCondLst>
-                              <p:cond delay="0"/>
-                            </p:stCondLst>
-                            <p:childTnLst>
-                              <p:par>
-                                <p:cTn id="5" presetID="1" presetClass="entr" presetSubtype="0" fill="hold" nodeType="clickEffect">
-                                  <p:stCondLst>
-                                    <p:cond delay="0"/>
-                                  </p:stCondLst>
-                                  <p:childTnLst>
-                                    <p:set>
-                                      <p:cBhvr>
-                                        <p:cTn id="6" dur="1" fill="hold">
-                                          <p:stCondLst>
-                                            <p:cond delay="0"/>
-                                          </p:stCondLst>
-                                        </p:cTn>
-                                        <p:tgtEl>
-                                          <p:spTgt spid="9">
-                                            <p:txEl>
-                                              <p:pRg st="0" end="0"/>
-                                            </p:txEl>
-                                          </p:spTgt>
-                                        </p:tgtEl>
-                                        <p:attrNameLst>
-                                          <p:attrName>style.visibility</p:attrName>
-                                        </p:attrNameLst>
-                                      </p:cBhvr>
-                                      <p:to>
-                                        <p:strVal val="visible"/>
-                                      </p:to>
-                                    </p:set>
-                                  </p:childTnLst>
-                                </p:cTn>
-                              </p:par>
-                            </p:childTnLst>
-                          </p:cTn>
-                        </p:par>
-                      </p:childTnLst>
-                    </p:cTn>
-                  </p:par>
-                  <p:par>
-                    <p:cTn id="7" fill="hold">
-                      <p:stCondLst>
-                        <p:cond delay="indefinite"/>
-                      </p:stCondLst>
-                      <p:childTnLst>
-                        <p:par>
-                          <p:cTn id="8" fill="hold">
-                            <p:stCondLst>
-                              <p:cond delay="0"/>
-                            </p:stCondLst>
-                            <p:childTnLst>
-                              <p:par>
-                                <p:cTn id="9" presetID="1" presetClass="entr" presetSubtype="0" fill="hold" nodeType="clickEffect">
-                                  <p:stCondLst>
-                                    <p:cond delay="0"/>
-                                  </p:stCondLst>
-                                  <p:childTnLst>
-                                    <p:set>
-                                      <p:cBhvr>
-                                        <p:cTn id="10" dur="1" fill="hold">
-                                          <p:stCondLst>
-                                            <p:cond delay="0"/>
-                                          </p:stCondLst>
-                                        </p:cTn>
-                                        <p:tgtEl>
-                                          <p:spTgt spid="9">
-                                            <p:txEl>
-                                              <p:pRg st="2" end="2"/>
-                                            </p:txEl>
-                                          </p:spTgt>
-                                        </p:tgtEl>
-                                        <p:attrNameLst>
-                                          <p:attrName>style.visibility</p:attrName>
-                                        </p:attrNameLst>
-                                      </p:cBhvr>
-                                      <p:to>
-                                        <p:strVal val="visible"/>
-                                      </p:to>
-                                    </p:set>
-                                  </p:childTnLst>
-                                </p:cTn>
-                              </p:par>
-                            </p:childTnLst>
-                          </p:cTn>
-                        </p:par>
-                      </p:childTnLst>
-                    </p:cTn>
-                  </p:par>
-                  <p:par>
-                    <p:cTn id="11" fill="hold">
-                      <p:stCondLst>
-                        <p:cond delay="indefinite"/>
-                      </p:stCondLst>
-                      <p:childTnLst>
-                        <p:par>
-                          <p:cTn id="12" fill="hold">
-                            <p:stCondLst>
-                              <p:cond delay="0"/>
-                            </p:stCondLst>
-                            <p:childTnLst>
-                              <p:par>
-                                <p:cTn id="13" presetID="1" presetClass="entr" presetSubtype="0" fill="hold" nodeType="clickEffect">
-                                  <p:stCondLst>
-                                    <p:cond delay="0"/>
-                                  </p:stCondLst>
-                                  <p:childTnLst>
-                                    <p:set>
-                                      <p:cBhvr>
-                                        <p:cTn id="14" dur="1" fill="hold">
-                                          <p:stCondLst>
-                                            <p:cond delay="0"/>
-                                          </p:stCondLst>
-                                        </p:cTn>
-                                        <p:tgtEl>
-                                          <p:spTgt spid="9">
-                                            <p:txEl>
-                                              <p:pRg st="4" end="4"/>
                                             </p:txEl>
                                           </p:spTgt>
                                         </p:tgtEl>
@@ -8075,6 +8283,97 @@
         <p:cNvGrpSpPr/>
         <p:nvPr/>
       </p:nvGrpSpPr>
+      <p:grpSpPr>
+        <a:xfrm>
+          <a:off x="0" y="0"/>
+          <a:ext cx="0" cy="0"/>
+          <a:chOff x="0" y="0"/>
+          <a:chExt cx="0" cy="0"/>
+        </a:xfrm>
+      </p:grpSpPr>
+      <p:pic>
+        <p:nvPicPr>
+          <p:cNvPr id="4" name="Picture 3"/>
+          <p:cNvPicPr>
+            <a:picLocks noChangeAspect="1"/>
+          </p:cNvPicPr>
+          <p:nvPr/>
+        </p:nvPicPr>
+        <p:blipFill>
+          <a:blip r:embed="rId1"/>
+          <a:stretch>
+            <a:fillRect/>
+          </a:stretch>
+        </p:blipFill>
+        <p:spPr>
+          <a:xfrm>
+            <a:off x="1066800" y="1525087"/>
+            <a:ext cx="10058400" cy="3807826"/>
+          </a:xfrm>
+          <a:prstGeom prst="rect">
+            <a:avLst/>
+          </a:prstGeom>
+        </p:spPr>
+      </p:pic>
+      <p:sp>
+        <p:nvSpPr>
+          <p:cNvPr id="5" name="Text Box 4"/>
+          <p:cNvSpPr txBox="1"/>
+          <p:nvPr/>
+        </p:nvSpPr>
+        <p:spPr>
+          <a:xfrm>
+            <a:off x="8107680" y="5586730"/>
+            <a:ext cx="2188845" cy="368300"/>
+          </a:xfrm>
+          <a:prstGeom prst="rect">
+            <a:avLst/>
+          </a:prstGeom>
+          <a:noFill/>
+        </p:spPr>
+        <p:txBody>
+          <a:bodyPr wrap="none" rtlCol="0" anchor="t">
+            <a:spAutoFit/>
+          </a:bodyPr>
+          <a:p>
+            <a:r>
+              <a:rPr lang="en-US">
+                <a:latin typeface="Georgia" panose="02040502050405020303" charset="0"/>
+                <a:cs typeface="Georgia" panose="02040502050405020303" charset="0"/>
+              </a:rPr>
+              <a:t>Keysar et al. (2000)</a:t>
+            </a:r>
+            <a:endParaRPr lang="en-US">
+              <a:latin typeface="Georgia" panose="02040502050405020303" charset="0"/>
+              <a:cs typeface="Georgia" panose="02040502050405020303" charset="0"/>
+            </a:endParaRPr>
+          </a:p>
+        </p:txBody>
+      </p:sp>
+    </p:spTree>
+  </p:cSld>
+  <p:clrMapOvr>
+    <a:masterClrMapping/>
+  </p:clrMapOvr>
+  <p:timing>
+    <p:tnLst>
+      <p:par>
+        <p:cTn id="1" dur="indefinite" restart="never" nodeType="tmRoot"/>
+      </p:par>
+    </p:tnLst>
+  </p:timing>
+</p:sld>
+</file>
+
+<file path=ppt/slides/slide21.xml><?xml version="1.0" encoding="utf-8"?>
+<p:sld xmlns:a="http://schemas.openxmlformats.org/drawingml/2006/main" xmlns:r="http://schemas.openxmlformats.org/officeDocument/2006/relationships" xmlns:p="http://schemas.openxmlformats.org/presentationml/2006/main">
+  <p:cSld>
+    <p:spTree>
+      <p:nvGrpSpPr>
+        <p:cNvPr id="1" name=""/>
+        <p:cNvGrpSpPr/>
+        <p:nvPr/>
+      </p:nvGrpSpPr>
       <p:grpSpPr/>
       <p:sp>
         <p:nvSpPr>
@@ -8097,7 +8396,7 @@
                 <a:latin typeface="Georgia" panose="02040502050405020303" charset="0"/>
                 <a:cs typeface="Georgia" panose="02040502050405020303" charset="0"/>
               </a:rPr>
-              <a:t>Utterance interpretation</a:t>
+              <a:t>Definite reference </a:t>
             </a:r>
             <a:endParaRPr lang="en-US">
               <a:latin typeface="Georgia" panose="02040502050405020303" charset="0"/>
@@ -8114,8 +8413,8 @@
         </p:nvSpPr>
         <p:spPr>
           <a:xfrm>
-            <a:off x="1066800" y="2697163"/>
-            <a:ext cx="10058400" cy="2245360"/>
+            <a:off x="1066800" y="2050733"/>
+            <a:ext cx="10058400" cy="3538220"/>
           </a:xfrm>
           <a:prstGeom prst="rect">
             <a:avLst/>
@@ -8138,7 +8437,7 @@
                 <a:cs typeface="Georgia" panose="02040502050405020303" charset="0"/>
                 <a:sym typeface="+mn-ea"/>
               </a:rPr>
-              <a:t>Code (lexical items)</a:t>
+              <a:t>Strong common ground approach - People exploit linguistic cues and theory of mind constraints are accessed online</a:t>
             </a:r>
             <a:endParaRPr lang="en-US" sz="2800">
               <a:effectLst/>
@@ -8171,7 +8470,7 @@
                 <a:cs typeface="Georgia" panose="02040502050405020303" charset="0"/>
                 <a:sym typeface="+mn-ea"/>
               </a:rPr>
-              <a:t>Non-demonstrative inferences (in context)</a:t>
+              <a:t>Referential language cannot in itself provide the listerner with relevant clues</a:t>
             </a:r>
             <a:endParaRPr lang="en-US" sz="2800">
               <a:effectLst/>
@@ -8204,7 +8503,7 @@
                 <a:cs typeface="Georgia" panose="02040502050405020303" charset="0"/>
                 <a:sym typeface="+mn-ea"/>
               </a:rPr>
-              <a:t>Intentions (theory of mind)</a:t>
+              <a:t>Some amount of inference is needed to close the gap between sentence meaning and speaker meaning</a:t>
             </a:r>
             <a:endParaRPr lang="en-US" sz="2800">
               <a:effectLst/>
@@ -8400,7 +8699,341 @@
 </p:sld>
 </file>
 
-<file path=ppt/slides/slide21.xml><?xml version="1.0" encoding="utf-8"?>
+<file path=ppt/slides/slide22.xml><?xml version="1.0" encoding="utf-8"?>
+<p:sld xmlns:a="http://schemas.openxmlformats.org/drawingml/2006/main" xmlns:r="http://schemas.openxmlformats.org/officeDocument/2006/relationships" xmlns:p="http://schemas.openxmlformats.org/presentationml/2006/main">
+  <p:cSld>
+    <p:spTree>
+      <p:nvGrpSpPr>
+        <p:cNvPr id="1" name=""/>
+        <p:cNvGrpSpPr/>
+        <p:nvPr/>
+      </p:nvGrpSpPr>
+      <p:grpSpPr/>
+      <p:sp>
+        <p:nvSpPr>
+          <p:cNvPr id="2" name="Title 1"/>
+          <p:cNvSpPr>
+            <a:spLocks noGrp="1"/>
+          </p:cNvSpPr>
+          <p:nvPr>
+            <p:ph type="title"/>
+          </p:nvPr>
+        </p:nvSpPr>
+        <p:spPr/>
+        <p:txBody>
+          <a:bodyPr>
+            <a:normAutofit/>
+          </a:bodyPr>
+          <a:p>
+            <a:r>
+              <a:rPr lang="en-US">
+                <a:latin typeface="Georgia" panose="02040502050405020303" charset="0"/>
+                <a:cs typeface="Georgia" panose="02040502050405020303" charset="0"/>
+              </a:rPr>
+              <a:t>Utterance interpretation</a:t>
+            </a:r>
+            <a:endParaRPr lang="en-US">
+              <a:latin typeface="Georgia" panose="02040502050405020303" charset="0"/>
+              <a:cs typeface="Georgia" panose="02040502050405020303" charset="0"/>
+            </a:endParaRPr>
+          </a:p>
+        </p:txBody>
+      </p:sp>
+      <p:sp>
+        <p:nvSpPr>
+          <p:cNvPr id="9" name="Text Box 8"/>
+          <p:cNvSpPr txBox="1"/>
+          <p:nvPr/>
+        </p:nvSpPr>
+        <p:spPr>
+          <a:xfrm>
+            <a:off x="1066800" y="2697163"/>
+            <a:ext cx="10058400" cy="2245360"/>
+          </a:xfrm>
+          <a:prstGeom prst="rect">
+            <a:avLst/>
+          </a:prstGeom>
+          <a:noFill/>
+        </p:spPr>
+        <p:txBody>
+          <a:bodyPr wrap="square" rtlCol="0" anchor="ctr" anchorCtr="0">
+            <a:spAutoFit/>
+          </a:bodyPr>
+          <a:p>
+            <a:pPr marL="342900" lvl="0" indent="-342900" algn="l">
+              <a:buFont typeface="Arial" panose="020B0604020202020204" pitchFamily="34" charset="0"/>
+              <a:buChar char="•"/>
+            </a:pPr>
+            <a:r>
+              <a:rPr lang="en-US" sz="2800">
+                <a:effectLst/>
+                <a:latin typeface="Georgia" panose="02040502050405020303" charset="0"/>
+                <a:cs typeface="Georgia" panose="02040502050405020303" charset="0"/>
+                <a:sym typeface="+mn-ea"/>
+              </a:rPr>
+              <a:t>Code (lexical items)</a:t>
+            </a:r>
+            <a:endParaRPr lang="en-US" sz="2800">
+              <a:effectLst/>
+              <a:latin typeface="Georgia" panose="02040502050405020303" charset="0"/>
+              <a:cs typeface="Georgia" panose="02040502050405020303" charset="0"/>
+              <a:sym typeface="+mn-ea"/>
+            </a:endParaRPr>
+          </a:p>
+          <a:p>
+            <a:pPr marL="342900" lvl="0" indent="-342900" algn="l">
+              <a:buFont typeface="Arial" panose="020B0604020202020204" pitchFamily="34" charset="0"/>
+              <a:buChar char="•"/>
+            </a:pPr>
+            <a:endParaRPr lang="en-US" sz="2800">
+              <a:effectLst/>
+              <a:latin typeface="Georgia" panose="02040502050405020303" charset="0"/>
+              <a:cs typeface="Georgia" panose="02040502050405020303" charset="0"/>
+              <a:sym typeface="+mn-ea"/>
+            </a:endParaRPr>
+          </a:p>
+          <a:p>
+            <a:pPr marL="342900" lvl="0" indent="-342900" algn="l">
+              <a:buFont typeface="Arial" panose="020B0604020202020204" pitchFamily="34" charset="0"/>
+              <a:buChar char="•"/>
+            </a:pPr>
+            <a:r>
+              <a:rPr lang="en-US" sz="2800">
+                <a:effectLst/>
+                <a:latin typeface="Georgia" panose="02040502050405020303" charset="0"/>
+                <a:cs typeface="Georgia" panose="02040502050405020303" charset="0"/>
+                <a:sym typeface="+mn-ea"/>
+              </a:rPr>
+              <a:t>Non-demonstrative inferences (in context)</a:t>
+            </a:r>
+            <a:endParaRPr lang="en-US" sz="2800">
+              <a:effectLst/>
+              <a:latin typeface="Georgia" panose="02040502050405020303" charset="0"/>
+              <a:cs typeface="Georgia" panose="02040502050405020303" charset="0"/>
+              <a:sym typeface="+mn-ea"/>
+            </a:endParaRPr>
+          </a:p>
+          <a:p>
+            <a:pPr marL="342900" lvl="0" indent="-342900" algn="l">
+              <a:buFont typeface="Arial" panose="020B0604020202020204" pitchFamily="34" charset="0"/>
+              <a:buChar char="•"/>
+            </a:pPr>
+            <a:endParaRPr lang="en-US" sz="2800">
+              <a:effectLst/>
+              <a:latin typeface="Georgia" panose="02040502050405020303" charset="0"/>
+              <a:cs typeface="Georgia" panose="02040502050405020303" charset="0"/>
+              <a:sym typeface="+mn-ea"/>
+            </a:endParaRPr>
+          </a:p>
+          <a:p>
+            <a:pPr marL="457200" lvl="0" indent="-457200" algn="l">
+              <a:buFont typeface="Arial" panose="020B0604020202020204" pitchFamily="34" charset="0"/>
+              <a:buChar char="•"/>
+            </a:pPr>
+            <a:r>
+              <a:rPr lang="en-US" sz="2800">
+                <a:effectLst/>
+                <a:latin typeface="Georgia" panose="02040502050405020303" charset="0"/>
+                <a:cs typeface="Georgia" panose="02040502050405020303" charset="0"/>
+                <a:sym typeface="+mn-ea"/>
+              </a:rPr>
+              <a:t>Intentions (theory of mind)</a:t>
+            </a:r>
+            <a:endParaRPr lang="en-US" sz="2800">
+              <a:effectLst/>
+              <a:latin typeface="Georgia" panose="02040502050405020303" charset="0"/>
+              <a:cs typeface="Georgia" panose="02040502050405020303" charset="0"/>
+              <a:sym typeface="+mn-ea"/>
+            </a:endParaRPr>
+          </a:p>
+        </p:txBody>
+      </p:sp>
+    </p:spTree>
+  </p:cSld>
+  <p:clrMapOvr>
+    <a:masterClrMapping/>
+  </p:clrMapOvr>
+  <p:timing>
+    <p:tnLst>
+      <p:par>
+        <p:cTn id="1" dur="indefinite" restart="never" nodeType="tmRoot">
+          <p:childTnLst>
+            <p:seq concurrent="1" nextAc="seek">
+              <p:cTn id="2" dur="indefinite" nodeType="mainSeq">
+                <p:childTnLst>
+                  <p:par>
+                    <p:cTn id="3" fill="hold">
+                      <p:stCondLst>
+                        <p:cond delay="indefinite"/>
+                      </p:stCondLst>
+                      <p:childTnLst>
+                        <p:par>
+                          <p:cTn id="4" fill="hold">
+                            <p:stCondLst>
+                              <p:cond delay="0"/>
+                            </p:stCondLst>
+                            <p:childTnLst>
+                              <p:par>
+                                <p:cTn id="5" presetID="1" presetClass="entr" presetSubtype="0" fill="hold" nodeType="clickEffect">
+                                  <p:stCondLst>
+                                    <p:cond delay="0"/>
+                                  </p:stCondLst>
+                                  <p:childTnLst>
+                                    <p:set>
+                                      <p:cBhvr>
+                                        <p:cTn id="6" dur="1" fill="hold">
+                                          <p:stCondLst>
+                                            <p:cond delay="0"/>
+                                          </p:stCondLst>
+                                        </p:cTn>
+                                        <p:tgtEl>
+                                          <p:spTgt spid="9">
+                                            <p:txEl>
+                                              <p:pRg st="0" end="0"/>
+                                            </p:txEl>
+                                          </p:spTgt>
+                                        </p:tgtEl>
+                                        <p:attrNameLst>
+                                          <p:attrName>style.visibility</p:attrName>
+                                        </p:attrNameLst>
+                                      </p:cBhvr>
+                                      <p:to>
+                                        <p:strVal val="visible"/>
+                                      </p:to>
+                                    </p:set>
+                                  </p:childTnLst>
+                                </p:cTn>
+                              </p:par>
+                            </p:childTnLst>
+                          </p:cTn>
+                        </p:par>
+                      </p:childTnLst>
+                    </p:cTn>
+                  </p:par>
+                  <p:par>
+                    <p:cTn id="7" fill="hold">
+                      <p:stCondLst>
+                        <p:cond delay="indefinite"/>
+                      </p:stCondLst>
+                      <p:childTnLst>
+                        <p:par>
+                          <p:cTn id="8" fill="hold">
+                            <p:stCondLst>
+                              <p:cond delay="0"/>
+                            </p:stCondLst>
+                            <p:childTnLst>
+                              <p:par>
+                                <p:cTn id="9" presetID="1" presetClass="entr" presetSubtype="0" fill="hold" nodeType="clickEffect">
+                                  <p:stCondLst>
+                                    <p:cond delay="0"/>
+                                  </p:stCondLst>
+                                  <p:childTnLst>
+                                    <p:set>
+                                      <p:cBhvr>
+                                        <p:cTn id="10" dur="1" fill="hold">
+                                          <p:stCondLst>
+                                            <p:cond delay="0"/>
+                                          </p:stCondLst>
+                                        </p:cTn>
+                                        <p:tgtEl>
+                                          <p:spTgt spid="9">
+                                            <p:txEl>
+                                              <p:pRg st="2" end="2"/>
+                                            </p:txEl>
+                                          </p:spTgt>
+                                        </p:tgtEl>
+                                        <p:attrNameLst>
+                                          <p:attrName>style.visibility</p:attrName>
+                                        </p:attrNameLst>
+                                      </p:cBhvr>
+                                      <p:to>
+                                        <p:strVal val="visible"/>
+                                      </p:to>
+                                    </p:set>
+                                  </p:childTnLst>
+                                </p:cTn>
+                              </p:par>
+                            </p:childTnLst>
+                          </p:cTn>
+                        </p:par>
+                      </p:childTnLst>
+                    </p:cTn>
+                  </p:par>
+                  <p:par>
+                    <p:cTn id="11" fill="hold">
+                      <p:stCondLst>
+                        <p:cond delay="indefinite"/>
+                      </p:stCondLst>
+                      <p:childTnLst>
+                        <p:par>
+                          <p:cTn id="12" fill="hold">
+                            <p:stCondLst>
+                              <p:cond delay="0"/>
+                            </p:stCondLst>
+                            <p:childTnLst>
+                              <p:par>
+                                <p:cTn id="13" presetID="1" presetClass="entr" presetSubtype="0" fill="hold" nodeType="clickEffect">
+                                  <p:stCondLst>
+                                    <p:cond delay="0"/>
+                                  </p:stCondLst>
+                                  <p:childTnLst>
+                                    <p:set>
+                                      <p:cBhvr>
+                                        <p:cTn id="14" dur="1" fill="hold">
+                                          <p:stCondLst>
+                                            <p:cond delay="0"/>
+                                          </p:stCondLst>
+                                        </p:cTn>
+                                        <p:tgtEl>
+                                          <p:spTgt spid="9">
+                                            <p:txEl>
+                                              <p:pRg st="4" end="4"/>
+                                            </p:txEl>
+                                          </p:spTgt>
+                                        </p:tgtEl>
+                                        <p:attrNameLst>
+                                          <p:attrName>style.visibility</p:attrName>
+                                        </p:attrNameLst>
+                                      </p:cBhvr>
+                                      <p:to>
+                                        <p:strVal val="visible"/>
+                                      </p:to>
+                                    </p:set>
+                                  </p:childTnLst>
+                                </p:cTn>
+                              </p:par>
+                            </p:childTnLst>
+                          </p:cTn>
+                        </p:par>
+                      </p:childTnLst>
+                    </p:cTn>
+                  </p:par>
+                </p:childTnLst>
+              </p:cTn>
+              <p:prevCondLst>
+                <p:cond evt="onPrev" delay="0">
+                  <p:tgtEl>
+                    <p:sldTgt/>
+                  </p:tgtEl>
+                </p:cond>
+              </p:prevCondLst>
+              <p:nextCondLst>
+                <p:cond evt="onNext" delay="0">
+                  <p:tgtEl>
+                    <p:sldTgt/>
+                  </p:tgtEl>
+                </p:cond>
+              </p:nextCondLst>
+            </p:seq>
+          </p:childTnLst>
+        </p:cTn>
+      </p:par>
+    </p:tnLst>
+  </p:timing>
+</p:sld>
+</file>
+
+<file path=ppt/slides/slide23.xml><?xml version="1.0" encoding="utf-8"?>
 <p:sld xmlns:a="http://schemas.openxmlformats.org/drawingml/2006/main" xmlns:r="http://schemas.openxmlformats.org/officeDocument/2006/relationships" xmlns:p="http://schemas.openxmlformats.org/presentationml/2006/main">
   <p:cSld>
     <p:spTree>
@@ -9063,7 +9696,7 @@
 </p:sld>
 </file>
 
-<file path=ppt/slides/slide22.xml><?xml version="1.0" encoding="utf-8"?>
+<file path=ppt/slides/slide24.xml><?xml version="1.0" encoding="utf-8"?>
 <p:sld xmlns:a="http://schemas.openxmlformats.org/drawingml/2006/main" xmlns:r="http://schemas.openxmlformats.org/officeDocument/2006/relationships" xmlns:p="http://schemas.openxmlformats.org/presentationml/2006/main">
   <p:cSld>
     <p:spTree>
@@ -12037,161 +12670,89 @@
         <p:nvPr/>
       </p:nvGrpSpPr>
       <p:grpSpPr/>
-      <p:sp>
-        <p:nvSpPr>
-          <p:cNvPr id="2" name="Title 1"/>
-          <p:cNvSpPr>
-            <a:spLocks noGrp="1"/>
-          </p:cNvSpPr>
+      <p:pic>
+        <p:nvPicPr>
+          <p:cNvPr id="3" name="Content Placeholder 2" descr="900px-Major_levels_of_linguistic_structure.svg"/>
+          <p:cNvPicPr>
+            <a:picLocks noChangeAspect="1"/>
+          </p:cNvPicPr>
           <p:nvPr>
-            <p:ph type="title"/>
+            <p:ph idx="1"/>
           </p:nvPr>
-        </p:nvSpPr>
-        <p:spPr/>
-        <p:txBody>
-          <a:bodyPr>
-            <a:normAutofit/>
-          </a:bodyPr>
-          <a:p>
-            <a:r>
-              <a:rPr lang="en-US">
+        </p:nvPicPr>
+        <p:blipFill>
+          <a:blip r:embed="rId1"/>
+          <a:stretch>
+            <a:fillRect/>
+          </a:stretch>
+        </p:blipFill>
+        <p:spPr>
+          <a:xfrm>
+            <a:off x="838200" y="1143000"/>
+            <a:ext cx="4572000" cy="4572000"/>
+          </a:xfrm>
+          <a:prstGeom prst="rect">
+            <a:avLst/>
+          </a:prstGeom>
+        </p:spPr>
+      </p:pic>
+      <p:sp>
+        <p:nvSpPr>
+          <p:cNvPr id="5" name="Oval 4"/>
+          <p:cNvSpPr/>
+          <p:nvPr/>
+        </p:nvSpPr>
+        <p:spPr>
+          <a:xfrm>
+            <a:off x="7168515" y="1600200"/>
+            <a:ext cx="3657600" cy="3657600"/>
+          </a:xfrm>
+          <a:prstGeom prst="ellipse">
+            <a:avLst/>
+          </a:prstGeom>
+          <a:solidFill>
+            <a:srgbClr val="F6E178"/>
+          </a:solidFill>
+          <a:ln>
+            <a:noFill/>
+          </a:ln>
+        </p:spPr>
+        <p:style>
+          <a:lnRef idx="2">
+            <a:schemeClr val="accent1">
+              <a:shade val="50000"/>
+            </a:schemeClr>
+          </a:lnRef>
+          <a:fillRef idx="1">
+            <a:schemeClr val="accent1"/>
+          </a:fillRef>
+          <a:effectRef idx="0">
+            <a:schemeClr val="accent1"/>
+          </a:effectRef>
+          <a:fontRef idx="minor">
+            <a:schemeClr val="lt1"/>
+          </a:fontRef>
+        </p:style>
+        <p:txBody>
+          <a:bodyPr rtlCol="0" anchor="ctr"/>
+          <a:p>
+            <a:pPr algn="ctr"/>
+            <a:r>
+              <a:rPr lang="en-US" sz="3200">
+                <a:solidFill>
+                  <a:schemeClr val="tx1"/>
+                </a:solidFill>
                 <a:latin typeface="Georgia" panose="02040502050405020303" charset="0"/>
                 <a:cs typeface="Georgia" panose="02040502050405020303" charset="0"/>
               </a:rPr>
               <a:t>Scalar implicatures</a:t>
             </a:r>
-            <a:endParaRPr lang="en-US">
+            <a:endParaRPr lang="en-US" sz="3200">
+              <a:solidFill>
+                <a:schemeClr val="tx1"/>
+              </a:solidFill>
               <a:latin typeface="Georgia" panose="02040502050405020303" charset="0"/>
               <a:cs typeface="Georgia" panose="02040502050405020303" charset="0"/>
-            </a:endParaRPr>
-          </a:p>
-        </p:txBody>
-      </p:sp>
-      <p:sp>
-        <p:nvSpPr>
-          <p:cNvPr id="9" name="Text Box 8"/>
-          <p:cNvSpPr txBox="1"/>
-          <p:nvPr/>
-        </p:nvSpPr>
-        <p:spPr>
-          <a:xfrm>
-            <a:off x="1066800" y="2041843"/>
-            <a:ext cx="10058400" cy="3107690"/>
-          </a:xfrm>
-          <a:prstGeom prst="rect">
-            <a:avLst/>
-          </a:prstGeom>
-          <a:noFill/>
-        </p:spPr>
-        <p:txBody>
-          <a:bodyPr wrap="square" rtlCol="0" anchor="ctr" anchorCtr="0">
-            <a:spAutoFit/>
-          </a:bodyPr>
-          <a:p>
-            <a:pPr marL="342900" indent="-342900" algn="l">
-              <a:buFont typeface="Arial" panose="020B0604020202020204" pitchFamily="34" charset="0"/>
-              <a:buChar char="•"/>
-            </a:pPr>
-            <a:r>
-              <a:rPr lang="en-US" sz="2800">
-                <a:effectLst/>
-                <a:latin typeface="Georgia" panose="02040502050405020303" charset="0"/>
-                <a:cs typeface="Georgia" panose="02040502050405020303" charset="0"/>
-                <a:sym typeface="+mn-ea"/>
-              </a:rPr>
-              <a:t>“I saw some of your children today” &gt; I didn't see all of your children today</a:t>
-            </a:r>
-            <a:endParaRPr lang="en-US" sz="2800">
-              <a:effectLst/>
-              <a:latin typeface="Georgia" panose="02040502050405020303" charset="0"/>
-              <a:cs typeface="Georgia" panose="02040502050405020303" charset="0"/>
-              <a:sym typeface="+mn-ea"/>
-            </a:endParaRPr>
-          </a:p>
-          <a:p>
-            <a:pPr marL="342900" indent="-342900" algn="l">
-              <a:buFont typeface="Arial" panose="020B0604020202020204" pitchFamily="34" charset="0"/>
-              <a:buChar char="•"/>
-            </a:pPr>
-            <a:endParaRPr lang="en-US" sz="2800">
-              <a:effectLst/>
-              <a:latin typeface="Georgia" panose="02040502050405020303" charset="0"/>
-              <a:cs typeface="Georgia" panose="02040502050405020303" charset="0"/>
-              <a:sym typeface="+mn-ea"/>
-            </a:endParaRPr>
-          </a:p>
-          <a:p>
-            <a:pPr marL="342900" lvl="0" indent="-342900" algn="l">
-              <a:buFont typeface="Arial" panose="020B0604020202020204" pitchFamily="34" charset="0"/>
-              <a:buChar char="•"/>
-            </a:pPr>
-            <a:r>
-              <a:rPr lang="en-US" sz="2800">
-                <a:effectLst/>
-                <a:latin typeface="Georgia" panose="02040502050405020303" charset="0"/>
-                <a:cs typeface="Georgia" panose="02040502050405020303" charset="0"/>
-                <a:sym typeface="+mn-ea"/>
-              </a:rPr>
-              <a:t>Generalized conversational implicature</a:t>
-            </a:r>
-            <a:endParaRPr lang="en-US" sz="2800">
-              <a:effectLst/>
-              <a:latin typeface="Georgia" panose="02040502050405020303" charset="0"/>
-              <a:cs typeface="Georgia" panose="02040502050405020303" charset="0"/>
-              <a:sym typeface="+mn-ea"/>
-            </a:endParaRPr>
-          </a:p>
-          <a:p>
-            <a:pPr marL="342900" lvl="0" indent="-342900" algn="l">
-              <a:buFont typeface="Arial" panose="020B0604020202020204" pitchFamily="34" charset="0"/>
-              <a:buChar char="•"/>
-            </a:pPr>
-            <a:endParaRPr lang="en-US" sz="2800">
-              <a:effectLst/>
-              <a:latin typeface="Georgia" panose="02040502050405020303" charset="0"/>
-              <a:cs typeface="Georgia" panose="02040502050405020303" charset="0"/>
-              <a:sym typeface="+mn-ea"/>
-            </a:endParaRPr>
-          </a:p>
-          <a:p>
-            <a:pPr marL="342900" lvl="0" indent="-342900" algn="l">
-              <a:buFont typeface="Arial" panose="020B0604020202020204" pitchFamily="34" charset="0"/>
-              <a:buChar char="•"/>
-            </a:pPr>
-            <a:r>
-              <a:rPr lang="en-US" sz="2800">
-                <a:effectLst/>
-                <a:latin typeface="Georgia" panose="02040502050405020303" charset="0"/>
-                <a:cs typeface="Georgia" panose="02040502050405020303" charset="0"/>
-                <a:sym typeface="+mn-ea"/>
-              </a:rPr>
-              <a:t>Pragmatic inferences linked to common propositions</a:t>
-            </a:r>
-            <a:endParaRPr lang="en-US" sz="2800">
-              <a:effectLst/>
-              <a:latin typeface="Georgia" panose="02040502050405020303" charset="0"/>
-              <a:cs typeface="Georgia" panose="02040502050405020303" charset="0"/>
-              <a:sym typeface="+mn-ea"/>
-            </a:endParaRPr>
-          </a:p>
-          <a:p>
-            <a:pPr lvl="1" indent="0" algn="l">
-              <a:buNone/>
-            </a:pPr>
-            <a:r>
-              <a:rPr lang="en-US" sz="2800">
-                <a:effectLst/>
-                <a:latin typeface="Georgia" panose="02040502050405020303" charset="0"/>
-                <a:cs typeface="Georgia" panose="02040502050405020303" charset="0"/>
-                <a:sym typeface="+mn-ea"/>
-              </a:rPr>
-              <a:t>Pragmatically but not logically valid</a:t>
-            </a:r>
-            <a:endParaRPr lang="en-US" sz="2800">
-              <a:effectLst/>
-              <a:latin typeface="Georgia" panose="02040502050405020303" charset="0"/>
-              <a:cs typeface="Georgia" panose="02040502050405020303" charset="0"/>
-              <a:sym typeface="+mn-ea"/>
             </a:endParaRPr>
           </a:p>
         </p:txBody>
@@ -12235,11 +12796,7 @@
                                           </p:stCondLst>
                                         </p:cTn>
                                         <p:tgtEl>
-                                          <p:spTgt spid="9">
-                                            <p:txEl>
-                                              <p:pRg st="0" end="0"/>
-                                            </p:txEl>
-                                          </p:spTgt>
+                                          <p:spTgt spid="3"/>
                                         </p:tgtEl>
                                         <p:attrNameLst>
                                           <p:attrName>style.visibility</p:attrName>
@@ -12271,7 +12828,7 @@
                             </p:stCondLst>
                             <p:childTnLst>
                               <p:par>
-                                <p:cTn id="9" presetID="1" presetClass="entr" presetSubtype="0" fill="hold" nodeType="clickEffect">
+                                <p:cTn id="9" presetID="1" presetClass="entr" presetSubtype="0" fill="hold" grpId="0" nodeType="clickEffect">
                                   <p:stCondLst>
                                     <p:cond delay="0"/>
                                   </p:stCondLst>
@@ -12284,109 +12841,7 @@
                                           </p:stCondLst>
                                         </p:cTn>
                                         <p:tgtEl>
-                                          <p:spTgt spid="9">
-                                            <p:txEl>
-                                              <p:pRg st="2" end="2"/>
-                                            </p:txEl>
-                                          </p:spTgt>
-                                        </p:tgtEl>
-                                        <p:attrNameLst>
-                                          <p:attrName>style.visibility</p:attrName>
-                                        </p:attrNameLst>
-                                      </p:cBhvr>
-                                      <p:to>
-                                        <p:strVal val="visible"/>
-                                      </p:to>
-                                    </p:set>
-                                  </p:childTnLst>
-                                </p:cTn>
-                              </p:par>
-                            </p:childTnLst>
-                          </p:cTn>
-                        </p:par>
-                      </p:childTnLst>
-                    </p:cTn>
-                  </p:par>
-                  <p:par>
-                    <p:cTn id="11" fill="hold">
-                      <p:stCondLst>
-                        <p:cond delay="indefinite"/>
-                      </p:stCondLst>
-                      <p:childTnLst>
-                        <p:par>
-                          <p:cTn id="12" fill="hold">
-                            <p:stCondLst>
-                              <p:cond delay="0"/>
-                            </p:stCondLst>
-                            <p:childTnLst>
-                              <p:par>
-                                <p:cTn id="13" presetID="1" presetClass="entr" presetSubtype="0" fill="hold" nodeType="clickEffect">
-                                  <p:stCondLst>
-                                    <p:cond delay="0"/>
-                                  </p:stCondLst>
-                                  <p:childTnLst>
-                                    <p:set>
-                                      <p:cBhvr>
-                                        <p:cTn id="14" dur="1" fill="hold">
-                                          <p:stCondLst>
-                                            <p:cond delay="0"/>
-                                          </p:stCondLst>
-                                        </p:cTn>
-                                        <p:tgtEl>
-                                          <p:spTgt spid="9">
-                                            <p:txEl>
-                                              <p:pRg st="4" end="4"/>
-                                            </p:txEl>
-                                          </p:spTgt>
-                                        </p:tgtEl>
-                                        <p:attrNameLst>
-                                          <p:attrName>style.visibility</p:attrName>
-                                        </p:attrNameLst>
-                                      </p:cBhvr>
-                                      <p:to>
-                                        <p:strVal val="visible"/>
-                                      </p:to>
-                                    </p:set>
-                                  </p:childTnLst>
-                                </p:cTn>
-                              </p:par>
-                            </p:childTnLst>
-                          </p:cTn>
-                        </p:par>
-                      </p:childTnLst>
-                    </p:cTn>
-                  </p:par>
-                  <p:par>
-                    <p:cTn id="15" fill="hold">
-                      <p:stCondLst>
-                        <p:cond delay="indefinite"/>
-                      </p:stCondLst>
-                      <p:childTnLst>
-                        <p:par>
-                          <p:cTn id="16" fill="hold">
-                            <p:stCondLst>
-                              <p:cond delay="0"/>
-                            </p:stCondLst>
-                            <p:childTnLst>
-                              <p:par>
-                                <p:cTn id="17" presetID="1" presetClass="entr" presetSubtype="0" fill="hold" nodeType="clickEffect">
-                                  <p:stCondLst>
-                                    <p:cond delay="0"/>
-                                  </p:stCondLst>
-                                  <p:childTnLst>
-                                    <p:set>
-                                      <p:cBhvr>
-                                        <p:cTn id="18" dur="1" fill="hold">
-                                          <p:stCondLst>
-                                            <p:cond delay="0"/>
-                                          </p:stCondLst>
-                                        </p:cTn>
-                                        <p:tgtEl>
-                                          <p:spTgt spid="9">
-                                            <p:txEl>
-                                              <p:pRg st="5" end="5"/>
-                                            </p:txEl>
-                                          </p:spTgt>
+                                          <p:spTgt spid="5"/>
                                         </p:tgtEl>
                                         <p:attrNameLst>
                                           <p:attrName>style.visibility</p:attrName>
@@ -12426,6 +12881,9 @@
         </p:cTn>
       </p:par>
     </p:tnLst>
+    <p:bldLst>
+      <p:bldP spid="5" grpId="0" bldLvl="0" animBg="1"/>
+    </p:bldLst>
   </p:timing>
 </p:sld>
 </file>
